--- a/example_1/WebCrawling.pptx
+++ b/example_1/WebCrawling.pptx
@@ -9,6 +9,7 @@
     <p:sldId id="257" r:id="rId3"/>
     <p:sldId id="258" r:id="rId4"/>
     <p:sldId id="259" r:id="rId5"/>
+    <p:sldId id="260" r:id="rId6"/>
   </p:sldIdLst>
   <p:sldSz cx="12192000" cy="6858000"/>
   <p:notesSz cx="6858000" cy="9144000"/>
@@ -107,7 +108,2632 @@
       </a:defRPr>
     </a:lvl9pPr>
   </p:defaultTextStyle>
+  <p:extLst>
+    <p:ext uri="{EFAFB233-063F-42B5-8137-9DF3F51BA10A}">
+      <p15:sldGuideLst xmlns:p15="http://schemas.microsoft.com/office/powerpoint/2012/main"/>
+    </p:ext>
+  </p:extLst>
 </p:presentation>
+</file>
+
+<file path=ppt/diagrams/colors1.xml><?xml version="1.0" encoding="utf-8"?>
+<dgm:colorsDef xmlns:dgm="http://schemas.openxmlformats.org/drawingml/2006/diagram" xmlns:a="http://schemas.openxmlformats.org/drawingml/2006/main" uniqueId="urn:microsoft.com/office/officeart/2018/5/colors/Iconchunking_neutralbg_accent1_2">
+  <dgm:title val=""/>
+  <dgm:desc val=""/>
+  <dgm:catLst>
+    <dgm:cat type="accent1" pri="11200"/>
+  </dgm:catLst>
+  <dgm:styleLbl name="node0">
+    <dgm:fillClrLst meth="repeat">
+      <a:schemeClr val="accent1"/>
+    </dgm:fillClrLst>
+    <dgm:linClrLst meth="repeat">
+      <a:schemeClr val="lt1"/>
+    </dgm:linClrLst>
+    <dgm:effectClrLst/>
+    <dgm:txLinClrLst/>
+    <dgm:txFillClrLst/>
+    <dgm:txEffectClrLst/>
+  </dgm:styleLbl>
+  <dgm:styleLbl name="alignNode1">
+    <dgm:fillClrLst meth="repeat">
+      <a:schemeClr val="accent1"/>
+    </dgm:fillClrLst>
+    <dgm:linClrLst meth="repeat">
+      <a:schemeClr val="accent1"/>
+    </dgm:linClrLst>
+    <dgm:effectClrLst/>
+    <dgm:txLinClrLst/>
+    <dgm:txFillClrLst/>
+    <dgm:txEffectClrLst/>
+  </dgm:styleLbl>
+  <dgm:styleLbl name="node1">
+    <dgm:fillClrLst meth="repeat">
+      <a:schemeClr val="accent1"/>
+    </dgm:fillClrLst>
+    <dgm:linClrLst meth="repeat">
+      <a:schemeClr val="lt1">
+        <a:alpha val="0"/>
+      </a:schemeClr>
+    </dgm:linClrLst>
+    <dgm:effectClrLst/>
+    <dgm:txLinClrLst/>
+    <dgm:txFillClrLst/>
+    <dgm:txEffectClrLst/>
+  </dgm:styleLbl>
+  <dgm:styleLbl name="lnNode1">
+    <dgm:fillClrLst meth="repeat">
+      <a:schemeClr val="accent1"/>
+    </dgm:fillClrLst>
+    <dgm:linClrLst meth="repeat">
+      <a:schemeClr val="lt1"/>
+    </dgm:linClrLst>
+    <dgm:effectClrLst/>
+    <dgm:txLinClrLst/>
+    <dgm:txFillClrLst/>
+    <dgm:txEffectClrLst/>
+  </dgm:styleLbl>
+  <dgm:styleLbl name="vennNode1">
+    <dgm:fillClrLst meth="repeat">
+      <a:schemeClr val="accent1">
+        <a:alpha val="50000"/>
+      </a:schemeClr>
+    </dgm:fillClrLst>
+    <dgm:linClrLst meth="repeat">
+      <a:schemeClr val="lt1"/>
+    </dgm:linClrLst>
+    <dgm:effectClrLst/>
+    <dgm:txLinClrLst/>
+    <dgm:txFillClrLst/>
+    <dgm:txEffectClrLst/>
+  </dgm:styleLbl>
+  <dgm:styleLbl name="node2">
+    <dgm:fillClrLst meth="repeat">
+      <a:schemeClr val="accent1"/>
+    </dgm:fillClrLst>
+    <dgm:linClrLst meth="repeat">
+      <a:schemeClr val="lt1"/>
+    </dgm:linClrLst>
+    <dgm:effectClrLst/>
+    <dgm:txLinClrLst/>
+    <dgm:txFillClrLst/>
+    <dgm:txEffectClrLst/>
+  </dgm:styleLbl>
+  <dgm:styleLbl name="node3">
+    <dgm:fillClrLst meth="repeat">
+      <a:schemeClr val="accent1"/>
+    </dgm:fillClrLst>
+    <dgm:linClrLst meth="repeat">
+      <a:schemeClr val="lt1"/>
+    </dgm:linClrLst>
+    <dgm:effectClrLst/>
+    <dgm:txLinClrLst/>
+    <dgm:txFillClrLst/>
+    <dgm:txEffectClrLst/>
+  </dgm:styleLbl>
+  <dgm:styleLbl name="node4">
+    <dgm:fillClrLst meth="repeat">
+      <a:schemeClr val="accent1"/>
+    </dgm:fillClrLst>
+    <dgm:linClrLst meth="repeat">
+      <a:schemeClr val="lt1"/>
+    </dgm:linClrLst>
+    <dgm:effectClrLst/>
+    <dgm:txLinClrLst/>
+    <dgm:txFillClrLst/>
+    <dgm:txEffectClrLst/>
+  </dgm:styleLbl>
+  <dgm:styleLbl name="fgImgPlace1">
+    <dgm:fillClrLst meth="repeat">
+      <a:schemeClr val="accent1">
+        <a:tint val="50000"/>
+      </a:schemeClr>
+    </dgm:fillClrLst>
+    <dgm:linClrLst meth="repeat">
+      <a:schemeClr val="lt1"/>
+    </dgm:linClrLst>
+    <dgm:effectClrLst/>
+    <dgm:txLinClrLst/>
+    <dgm:txFillClrLst meth="repeat">
+      <a:schemeClr val="lt1"/>
+    </dgm:txFillClrLst>
+    <dgm:txEffectClrLst/>
+  </dgm:styleLbl>
+  <dgm:styleLbl name="alignImgPlace1">
+    <dgm:fillClrLst meth="repeat">
+      <a:schemeClr val="accent1">
+        <a:tint val="50000"/>
+      </a:schemeClr>
+    </dgm:fillClrLst>
+    <dgm:linClrLst meth="repeat">
+      <a:schemeClr val="lt1"/>
+    </dgm:linClrLst>
+    <dgm:effectClrLst/>
+    <dgm:txLinClrLst/>
+    <dgm:txFillClrLst meth="repeat">
+      <a:schemeClr val="lt1"/>
+    </dgm:txFillClrLst>
+    <dgm:txEffectClrLst/>
+  </dgm:styleLbl>
+  <dgm:styleLbl name="bgImgPlace1">
+    <dgm:fillClrLst meth="repeat">
+      <a:schemeClr val="accent1">
+        <a:tint val="50000"/>
+      </a:schemeClr>
+    </dgm:fillClrLst>
+    <dgm:linClrLst meth="repeat">
+      <a:schemeClr val="lt1"/>
+    </dgm:linClrLst>
+    <dgm:effectClrLst/>
+    <dgm:txLinClrLst/>
+    <dgm:txFillClrLst meth="repeat">
+      <a:schemeClr val="lt1"/>
+    </dgm:txFillClrLst>
+    <dgm:txEffectClrLst/>
+  </dgm:styleLbl>
+  <dgm:styleLbl name="sibTrans2D1">
+    <dgm:fillClrLst meth="repeat">
+      <a:schemeClr val="accent1">
+        <a:tint val="60000"/>
+      </a:schemeClr>
+    </dgm:fillClrLst>
+    <dgm:linClrLst meth="repeat">
+      <a:schemeClr val="accent1">
+        <a:tint val="60000"/>
+      </a:schemeClr>
+    </dgm:linClrLst>
+    <dgm:effectClrLst/>
+    <dgm:txLinClrLst/>
+    <dgm:txFillClrLst/>
+    <dgm:txEffectClrLst/>
+  </dgm:styleLbl>
+  <dgm:styleLbl name="fgSibTrans2D1">
+    <dgm:fillClrLst meth="repeat">
+      <a:schemeClr val="accent1">
+        <a:tint val="60000"/>
+      </a:schemeClr>
+    </dgm:fillClrLst>
+    <dgm:linClrLst meth="repeat">
+      <a:schemeClr val="accent1">
+        <a:tint val="60000"/>
+      </a:schemeClr>
+    </dgm:linClrLst>
+    <dgm:effectClrLst/>
+    <dgm:txLinClrLst/>
+    <dgm:txFillClrLst/>
+    <dgm:txEffectClrLst/>
+  </dgm:styleLbl>
+  <dgm:styleLbl name="bgSibTrans2D1">
+    <dgm:fillClrLst meth="repeat">
+      <a:schemeClr val="accent1">
+        <a:tint val="60000"/>
+      </a:schemeClr>
+    </dgm:fillClrLst>
+    <dgm:linClrLst meth="repeat">
+      <a:schemeClr val="accent1">
+        <a:tint val="60000"/>
+      </a:schemeClr>
+    </dgm:linClrLst>
+    <dgm:effectClrLst/>
+    <dgm:txLinClrLst/>
+    <dgm:txFillClrLst/>
+    <dgm:txEffectClrLst/>
+  </dgm:styleLbl>
+  <dgm:styleLbl name="sibTrans1D1">
+    <dgm:fillClrLst meth="repeat">
+      <a:schemeClr val="accent1"/>
+    </dgm:fillClrLst>
+    <dgm:linClrLst meth="repeat">
+      <a:schemeClr val="accent1"/>
+    </dgm:linClrLst>
+    <dgm:effectClrLst/>
+    <dgm:txLinClrLst/>
+    <dgm:txFillClrLst meth="repeat">
+      <a:schemeClr val="tx1"/>
+    </dgm:txFillClrLst>
+    <dgm:txEffectClrLst/>
+  </dgm:styleLbl>
+  <dgm:styleLbl name="callout">
+    <dgm:fillClrLst meth="repeat">
+      <a:schemeClr val="accent1"/>
+    </dgm:fillClrLst>
+    <dgm:linClrLst meth="repeat">
+      <a:schemeClr val="accent1">
+        <a:tint val="50000"/>
+      </a:schemeClr>
+    </dgm:linClrLst>
+    <dgm:effectClrLst/>
+    <dgm:txLinClrLst/>
+    <dgm:txFillClrLst meth="repeat">
+      <a:schemeClr val="tx1"/>
+    </dgm:txFillClrLst>
+    <dgm:txEffectClrLst/>
+  </dgm:styleLbl>
+  <dgm:styleLbl name="asst0">
+    <dgm:fillClrLst meth="repeat">
+      <a:schemeClr val="accent1"/>
+    </dgm:fillClrLst>
+    <dgm:linClrLst meth="repeat">
+      <a:schemeClr val="lt1"/>
+    </dgm:linClrLst>
+    <dgm:effectClrLst/>
+    <dgm:txLinClrLst/>
+    <dgm:txFillClrLst/>
+    <dgm:txEffectClrLst/>
+  </dgm:styleLbl>
+  <dgm:styleLbl name="asst1">
+    <dgm:fillClrLst meth="repeat">
+      <a:schemeClr val="accent1"/>
+    </dgm:fillClrLst>
+    <dgm:linClrLst meth="repeat">
+      <a:schemeClr val="lt1"/>
+    </dgm:linClrLst>
+    <dgm:effectClrLst/>
+    <dgm:txLinClrLst/>
+    <dgm:txFillClrLst/>
+    <dgm:txEffectClrLst/>
+  </dgm:styleLbl>
+  <dgm:styleLbl name="asst2">
+    <dgm:fillClrLst meth="repeat">
+      <a:schemeClr val="accent1"/>
+    </dgm:fillClrLst>
+    <dgm:linClrLst meth="repeat">
+      <a:schemeClr val="lt1"/>
+    </dgm:linClrLst>
+    <dgm:effectClrLst/>
+    <dgm:txLinClrLst/>
+    <dgm:txFillClrLst/>
+    <dgm:txEffectClrLst/>
+  </dgm:styleLbl>
+  <dgm:styleLbl name="asst3">
+    <dgm:fillClrLst meth="repeat">
+      <a:schemeClr val="accent1"/>
+    </dgm:fillClrLst>
+    <dgm:linClrLst meth="repeat">
+      <a:schemeClr val="lt1"/>
+    </dgm:linClrLst>
+    <dgm:effectClrLst/>
+    <dgm:txLinClrLst/>
+    <dgm:txFillClrLst/>
+    <dgm:txEffectClrLst/>
+  </dgm:styleLbl>
+  <dgm:styleLbl name="asst4">
+    <dgm:fillClrLst meth="repeat">
+      <a:schemeClr val="accent1"/>
+    </dgm:fillClrLst>
+    <dgm:linClrLst meth="repeat">
+      <a:schemeClr val="lt1"/>
+    </dgm:linClrLst>
+    <dgm:effectClrLst/>
+    <dgm:txLinClrLst/>
+    <dgm:txFillClrLst/>
+    <dgm:txEffectClrLst/>
+  </dgm:styleLbl>
+  <dgm:styleLbl name="parChTrans2D1">
+    <dgm:fillClrLst meth="repeat">
+      <a:schemeClr val="accent1">
+        <a:tint val="60000"/>
+      </a:schemeClr>
+    </dgm:fillClrLst>
+    <dgm:linClrLst meth="repeat">
+      <a:schemeClr val="accent1">
+        <a:tint val="60000"/>
+      </a:schemeClr>
+    </dgm:linClrLst>
+    <dgm:effectClrLst/>
+    <dgm:txLinClrLst/>
+    <dgm:txFillClrLst meth="repeat">
+      <a:schemeClr val="lt1"/>
+    </dgm:txFillClrLst>
+    <dgm:txEffectClrLst/>
+  </dgm:styleLbl>
+  <dgm:styleLbl name="parChTrans2D2">
+    <dgm:fillClrLst meth="repeat">
+      <a:schemeClr val="accent1"/>
+    </dgm:fillClrLst>
+    <dgm:linClrLst meth="repeat">
+      <a:schemeClr val="accent1"/>
+    </dgm:linClrLst>
+    <dgm:effectClrLst/>
+    <dgm:txLinClrLst/>
+    <dgm:txFillClrLst meth="repeat">
+      <a:schemeClr val="lt1"/>
+    </dgm:txFillClrLst>
+    <dgm:txEffectClrLst/>
+  </dgm:styleLbl>
+  <dgm:styleLbl name="parChTrans2D3">
+    <dgm:fillClrLst meth="repeat">
+      <a:schemeClr val="accent1"/>
+    </dgm:fillClrLst>
+    <dgm:linClrLst meth="repeat">
+      <a:schemeClr val="accent1"/>
+    </dgm:linClrLst>
+    <dgm:effectClrLst/>
+    <dgm:txLinClrLst/>
+    <dgm:txFillClrLst meth="repeat">
+      <a:schemeClr val="lt1"/>
+    </dgm:txFillClrLst>
+    <dgm:txEffectClrLst/>
+  </dgm:styleLbl>
+  <dgm:styleLbl name="parChTrans2D4">
+    <dgm:fillClrLst meth="repeat">
+      <a:schemeClr val="accent1"/>
+    </dgm:fillClrLst>
+    <dgm:linClrLst meth="repeat">
+      <a:schemeClr val="accent1"/>
+    </dgm:linClrLst>
+    <dgm:effectClrLst/>
+    <dgm:txLinClrLst/>
+    <dgm:txFillClrLst meth="repeat">
+      <a:schemeClr val="lt1"/>
+    </dgm:txFillClrLst>
+    <dgm:txEffectClrLst/>
+  </dgm:styleLbl>
+  <dgm:styleLbl name="parChTrans1D1">
+    <dgm:fillClrLst meth="repeat">
+      <a:schemeClr val="accent1"/>
+    </dgm:fillClrLst>
+    <dgm:linClrLst meth="repeat">
+      <a:schemeClr val="accent1">
+        <a:shade val="60000"/>
+      </a:schemeClr>
+    </dgm:linClrLst>
+    <dgm:effectClrLst/>
+    <dgm:txLinClrLst/>
+    <dgm:txFillClrLst meth="repeat">
+      <a:schemeClr val="tx1"/>
+    </dgm:txFillClrLst>
+    <dgm:txEffectClrLst/>
+  </dgm:styleLbl>
+  <dgm:styleLbl name="parChTrans1D2">
+    <dgm:fillClrLst meth="repeat">
+      <a:schemeClr val="accent1"/>
+    </dgm:fillClrLst>
+    <dgm:linClrLst meth="repeat">
+      <a:schemeClr val="accent1">
+        <a:shade val="60000"/>
+      </a:schemeClr>
+    </dgm:linClrLst>
+    <dgm:effectClrLst/>
+    <dgm:txLinClrLst/>
+    <dgm:txFillClrLst meth="repeat">
+      <a:schemeClr val="tx1"/>
+    </dgm:txFillClrLst>
+    <dgm:txEffectClrLst/>
+  </dgm:styleLbl>
+  <dgm:styleLbl name="parChTrans1D3">
+    <dgm:fillClrLst meth="repeat">
+      <a:schemeClr val="accent1"/>
+    </dgm:fillClrLst>
+    <dgm:linClrLst meth="repeat">
+      <a:schemeClr val="accent1">
+        <a:shade val="80000"/>
+      </a:schemeClr>
+    </dgm:linClrLst>
+    <dgm:effectClrLst/>
+    <dgm:txLinClrLst/>
+    <dgm:txFillClrLst meth="repeat">
+      <a:schemeClr val="tx1"/>
+    </dgm:txFillClrLst>
+    <dgm:txEffectClrLst/>
+  </dgm:styleLbl>
+  <dgm:styleLbl name="parChTrans1D4">
+    <dgm:fillClrLst meth="repeat">
+      <a:schemeClr val="accent1"/>
+    </dgm:fillClrLst>
+    <dgm:linClrLst meth="repeat">
+      <a:schemeClr val="accent1">
+        <a:shade val="80000"/>
+      </a:schemeClr>
+    </dgm:linClrLst>
+    <dgm:effectClrLst/>
+    <dgm:txLinClrLst/>
+    <dgm:txFillClrLst meth="repeat">
+      <a:schemeClr val="tx1"/>
+    </dgm:txFillClrLst>
+    <dgm:txEffectClrLst/>
+  </dgm:styleLbl>
+  <dgm:styleLbl name="fgAcc1">
+    <dgm:fillClrLst meth="repeat">
+      <a:schemeClr val="lt1">
+        <a:alpha val="90000"/>
+      </a:schemeClr>
+    </dgm:fillClrLst>
+    <dgm:linClrLst meth="repeat">
+      <a:schemeClr val="accent1"/>
+    </dgm:linClrLst>
+    <dgm:effectClrLst/>
+    <dgm:txLinClrLst/>
+    <dgm:txFillClrLst meth="repeat">
+      <a:schemeClr val="dk1"/>
+    </dgm:txFillClrLst>
+    <dgm:txEffectClrLst/>
+  </dgm:styleLbl>
+  <dgm:styleLbl name="conFgAcc1">
+    <dgm:fillClrLst meth="repeat">
+      <a:schemeClr val="lt1">
+        <a:alpha val="90000"/>
+      </a:schemeClr>
+    </dgm:fillClrLst>
+    <dgm:linClrLst meth="repeat">
+      <a:schemeClr val="accent1"/>
+    </dgm:linClrLst>
+    <dgm:effectClrLst/>
+    <dgm:txLinClrLst/>
+    <dgm:txFillClrLst meth="repeat">
+      <a:schemeClr val="dk1"/>
+    </dgm:txFillClrLst>
+    <dgm:txEffectClrLst/>
+  </dgm:styleLbl>
+  <dgm:styleLbl name="alignAcc1">
+    <dgm:fillClrLst meth="repeat">
+      <a:schemeClr val="lt1">
+        <a:alpha val="90000"/>
+      </a:schemeClr>
+    </dgm:fillClrLst>
+    <dgm:linClrLst meth="repeat">
+      <a:schemeClr val="accent1"/>
+    </dgm:linClrLst>
+    <dgm:effectClrLst/>
+    <dgm:txLinClrLst/>
+    <dgm:txFillClrLst meth="repeat">
+      <a:schemeClr val="dk1"/>
+    </dgm:txFillClrLst>
+    <dgm:txEffectClrLst/>
+  </dgm:styleLbl>
+  <dgm:styleLbl name="trAlignAcc1">
+    <dgm:fillClrLst meth="repeat">
+      <a:schemeClr val="lt1">
+        <a:alpha val="40000"/>
+      </a:schemeClr>
+    </dgm:fillClrLst>
+    <dgm:linClrLst meth="repeat">
+      <a:schemeClr val="accent1"/>
+    </dgm:linClrLst>
+    <dgm:effectClrLst/>
+    <dgm:txLinClrLst/>
+    <dgm:txFillClrLst meth="repeat">
+      <a:schemeClr val="dk1"/>
+    </dgm:txFillClrLst>
+    <dgm:txEffectClrLst/>
+  </dgm:styleLbl>
+  <dgm:styleLbl name="bgAcc1">
+    <dgm:fillClrLst meth="repeat">
+      <a:schemeClr val="lt1">
+        <a:alpha val="90000"/>
+      </a:schemeClr>
+    </dgm:fillClrLst>
+    <dgm:linClrLst meth="repeat">
+      <a:schemeClr val="accent1"/>
+    </dgm:linClrLst>
+    <dgm:effectClrLst/>
+    <dgm:txLinClrLst/>
+    <dgm:txFillClrLst meth="repeat">
+      <a:schemeClr val="dk1"/>
+    </dgm:txFillClrLst>
+    <dgm:txEffectClrLst/>
+  </dgm:styleLbl>
+  <dgm:styleLbl name="solidFgAcc1">
+    <dgm:fillClrLst meth="repeat">
+      <a:schemeClr val="lt1"/>
+    </dgm:fillClrLst>
+    <dgm:linClrLst meth="repeat">
+      <a:schemeClr val="accent1"/>
+    </dgm:linClrLst>
+    <dgm:effectClrLst/>
+    <dgm:txLinClrLst/>
+    <dgm:txFillClrLst meth="repeat">
+      <a:schemeClr val="dk1"/>
+    </dgm:txFillClrLst>
+    <dgm:txEffectClrLst/>
+  </dgm:styleLbl>
+  <dgm:styleLbl name="solidAlignAcc1">
+    <dgm:fillClrLst meth="repeat">
+      <a:schemeClr val="lt1"/>
+    </dgm:fillClrLst>
+    <dgm:linClrLst meth="repeat">
+      <a:schemeClr val="accent1"/>
+    </dgm:linClrLst>
+    <dgm:effectClrLst/>
+    <dgm:txLinClrLst/>
+    <dgm:txFillClrLst meth="repeat">
+      <a:schemeClr val="dk1"/>
+    </dgm:txFillClrLst>
+    <dgm:txEffectClrLst/>
+  </dgm:styleLbl>
+  <dgm:styleLbl name="solidBgAcc1">
+    <dgm:fillClrLst meth="repeat">
+      <a:schemeClr val="lt1"/>
+    </dgm:fillClrLst>
+    <dgm:linClrLst meth="repeat">
+      <a:schemeClr val="accent1"/>
+    </dgm:linClrLst>
+    <dgm:effectClrLst/>
+    <dgm:txLinClrLst/>
+    <dgm:txFillClrLst meth="repeat">
+      <a:schemeClr val="dk1"/>
+    </dgm:txFillClrLst>
+    <dgm:txEffectClrLst/>
+  </dgm:styleLbl>
+  <dgm:styleLbl name="fgAccFollowNode1">
+    <dgm:fillClrLst meth="repeat">
+      <a:schemeClr val="accent1">
+        <a:alpha val="90000"/>
+        <a:tint val="40000"/>
+      </a:schemeClr>
+    </dgm:fillClrLst>
+    <dgm:linClrLst meth="repeat">
+      <a:schemeClr val="accent1">
+        <a:alpha val="90000"/>
+        <a:tint val="40000"/>
+      </a:schemeClr>
+    </dgm:linClrLst>
+    <dgm:effectClrLst/>
+    <dgm:txLinClrLst/>
+    <dgm:txFillClrLst meth="repeat">
+      <a:schemeClr val="dk1"/>
+    </dgm:txFillClrLst>
+    <dgm:txEffectClrLst/>
+  </dgm:styleLbl>
+  <dgm:styleLbl name="alignAccFollowNode1">
+    <dgm:fillClrLst meth="repeat">
+      <a:schemeClr val="accent1">
+        <a:alpha val="90000"/>
+        <a:tint val="40000"/>
+      </a:schemeClr>
+    </dgm:fillClrLst>
+    <dgm:linClrLst meth="repeat">
+      <a:schemeClr val="accent1">
+        <a:alpha val="90000"/>
+        <a:tint val="40000"/>
+      </a:schemeClr>
+    </dgm:linClrLst>
+    <dgm:effectClrLst/>
+    <dgm:txLinClrLst/>
+    <dgm:txFillClrLst meth="repeat">
+      <a:schemeClr val="dk1"/>
+    </dgm:txFillClrLst>
+    <dgm:txEffectClrLst/>
+  </dgm:styleLbl>
+  <dgm:styleLbl name="bgAccFollowNode1">
+    <dgm:fillClrLst meth="repeat">
+      <a:schemeClr val="accent1">
+        <a:alpha val="90000"/>
+        <a:tint val="40000"/>
+      </a:schemeClr>
+    </dgm:fillClrLst>
+    <dgm:linClrLst meth="repeat">
+      <a:schemeClr val="accent1">
+        <a:alpha val="90000"/>
+        <a:tint val="40000"/>
+      </a:schemeClr>
+    </dgm:linClrLst>
+    <dgm:effectClrLst/>
+    <dgm:txLinClrLst/>
+    <dgm:txFillClrLst meth="repeat">
+      <a:schemeClr val="dk1"/>
+    </dgm:txFillClrLst>
+    <dgm:txEffectClrLst/>
+  </dgm:styleLbl>
+  <dgm:styleLbl name="fgAcc0">
+    <dgm:fillClrLst meth="repeat">
+      <a:schemeClr val="lt1">
+        <a:alpha val="90000"/>
+      </a:schemeClr>
+    </dgm:fillClrLst>
+    <dgm:linClrLst meth="repeat">
+      <a:schemeClr val="accent1"/>
+    </dgm:linClrLst>
+    <dgm:effectClrLst/>
+    <dgm:txLinClrLst/>
+    <dgm:txFillClrLst meth="repeat">
+      <a:schemeClr val="dk1"/>
+    </dgm:txFillClrLst>
+    <dgm:txEffectClrLst/>
+  </dgm:styleLbl>
+  <dgm:styleLbl name="fgAcc2">
+    <dgm:fillClrLst meth="repeat">
+      <a:schemeClr val="lt1">
+        <a:alpha val="90000"/>
+      </a:schemeClr>
+    </dgm:fillClrLst>
+    <dgm:linClrLst meth="repeat">
+      <a:schemeClr val="accent1"/>
+    </dgm:linClrLst>
+    <dgm:effectClrLst/>
+    <dgm:txLinClrLst/>
+    <dgm:txFillClrLst meth="repeat">
+      <a:schemeClr val="dk1"/>
+    </dgm:txFillClrLst>
+    <dgm:txEffectClrLst/>
+  </dgm:styleLbl>
+  <dgm:styleLbl name="fgAcc3">
+    <dgm:fillClrLst meth="repeat">
+      <a:schemeClr val="lt1">
+        <a:alpha val="90000"/>
+      </a:schemeClr>
+    </dgm:fillClrLst>
+    <dgm:linClrLst meth="repeat">
+      <a:schemeClr val="accent1"/>
+    </dgm:linClrLst>
+    <dgm:effectClrLst/>
+    <dgm:txLinClrLst/>
+    <dgm:txFillClrLst meth="repeat">
+      <a:schemeClr val="dk1"/>
+    </dgm:txFillClrLst>
+    <dgm:txEffectClrLst/>
+  </dgm:styleLbl>
+  <dgm:styleLbl name="fgAcc4">
+    <dgm:fillClrLst meth="repeat">
+      <a:schemeClr val="lt1">
+        <a:alpha val="90000"/>
+      </a:schemeClr>
+    </dgm:fillClrLst>
+    <dgm:linClrLst meth="repeat">
+      <a:schemeClr val="accent1"/>
+    </dgm:linClrLst>
+    <dgm:effectClrLst/>
+    <dgm:txLinClrLst/>
+    <dgm:txFillClrLst meth="repeat">
+      <a:schemeClr val="dk1"/>
+    </dgm:txFillClrLst>
+    <dgm:txEffectClrLst/>
+  </dgm:styleLbl>
+  <dgm:styleLbl name="bgShp">
+    <dgm:fillClrLst meth="repeat">
+      <a:schemeClr val="bg1">
+        <a:lumMod val="95000"/>
+      </a:schemeClr>
+    </dgm:fillClrLst>
+    <dgm:linClrLst meth="repeat">
+      <a:schemeClr val="accent1"/>
+    </dgm:linClrLst>
+    <dgm:effectClrLst/>
+    <dgm:txLinClrLst/>
+    <dgm:txFillClrLst meth="repeat">
+      <a:schemeClr val="dk1"/>
+    </dgm:txFillClrLst>
+    <dgm:txEffectClrLst/>
+  </dgm:styleLbl>
+  <dgm:styleLbl name="dkBgShp">
+    <dgm:fillClrLst meth="repeat">
+      <a:schemeClr val="accent1">
+        <a:shade val="80000"/>
+      </a:schemeClr>
+    </dgm:fillClrLst>
+    <dgm:linClrLst meth="repeat">
+      <a:schemeClr val="accent1"/>
+    </dgm:linClrLst>
+    <dgm:effectClrLst/>
+    <dgm:txLinClrLst/>
+    <dgm:txFillClrLst meth="repeat">
+      <a:schemeClr val="lt1"/>
+    </dgm:txFillClrLst>
+    <dgm:txEffectClrLst/>
+  </dgm:styleLbl>
+  <dgm:styleLbl name="trBgShp">
+    <dgm:fillClrLst meth="repeat">
+      <a:schemeClr val="accent1">
+        <a:tint val="50000"/>
+        <a:alpha val="40000"/>
+      </a:schemeClr>
+    </dgm:fillClrLst>
+    <dgm:linClrLst meth="repeat">
+      <a:schemeClr val="accent1"/>
+    </dgm:linClrLst>
+    <dgm:effectClrLst/>
+    <dgm:txLinClrLst/>
+    <dgm:txFillClrLst meth="repeat">
+      <a:schemeClr val="lt1"/>
+    </dgm:txFillClrLst>
+    <dgm:txEffectClrLst/>
+  </dgm:styleLbl>
+  <dgm:styleLbl name="fgShp">
+    <dgm:fillClrLst meth="repeat">
+      <a:schemeClr val="accent1">
+        <a:tint val="60000"/>
+      </a:schemeClr>
+    </dgm:fillClrLst>
+    <dgm:linClrLst meth="repeat">
+      <a:schemeClr val="lt1"/>
+    </dgm:linClrLst>
+    <dgm:effectClrLst/>
+    <dgm:txLinClrLst/>
+    <dgm:txFillClrLst meth="repeat">
+      <a:schemeClr val="dk1"/>
+    </dgm:txFillClrLst>
+    <dgm:txEffectClrLst/>
+  </dgm:styleLbl>
+  <dgm:styleLbl name="revTx">
+    <dgm:fillClrLst meth="repeat">
+      <a:schemeClr val="lt1">
+        <a:alpha val="0"/>
+      </a:schemeClr>
+    </dgm:fillClrLst>
+    <dgm:linClrLst meth="repeat">
+      <a:schemeClr val="dk1">
+        <a:alpha val="0"/>
+      </a:schemeClr>
+    </dgm:linClrLst>
+    <dgm:effectClrLst/>
+    <dgm:txLinClrLst/>
+    <dgm:txFillClrLst meth="repeat">
+      <a:schemeClr val="tx1"/>
+    </dgm:txFillClrLst>
+    <dgm:txEffectClrLst/>
+  </dgm:styleLbl>
+</dgm:colorsDef>
+</file>
+
+<file path=ppt/diagrams/data1.xml><?xml version="1.0" encoding="utf-8"?>
+<dgm:dataModel xmlns:dgm="http://schemas.openxmlformats.org/drawingml/2006/diagram" xmlns:a="http://schemas.openxmlformats.org/drawingml/2006/main">
+  <dgm:ptLst>
+    <dgm:pt modelId="{1A1B512A-DB6C-4943-A8D2-CAB2B5026752}" type="doc">
+      <dgm:prSet loTypeId="urn:microsoft.com/office/officeart/2018/2/layout/IconLabelList" loCatId="icon" qsTypeId="urn:microsoft.com/office/officeart/2005/8/quickstyle/simple1" qsCatId="simple" csTypeId="urn:microsoft.com/office/officeart/2018/5/colors/Iconchunking_neutralbg_accent1_2" csCatId="accent1" phldr="1"/>
+      <dgm:spPr/>
+      <dgm:t>
+        <a:bodyPr/>
+        <a:lstStyle/>
+        <a:p>
+          <a:endParaRPr lang="en-US"/>
+        </a:p>
+      </dgm:t>
+    </dgm:pt>
+    <dgm:pt modelId="{CD820DDB-0B51-41BA-B309-A07E62818E30}">
+      <dgm:prSet/>
+      <dgm:spPr/>
+      <dgm:t>
+        <a:bodyPr/>
+        <a:lstStyle/>
+        <a:p>
+          <a:r>
+            <a:rPr lang="en-US"/>
+            <a:t>Sell Collected Information.</a:t>
+          </a:r>
+        </a:p>
+      </dgm:t>
+    </dgm:pt>
+    <dgm:pt modelId="{60E9581E-227F-4051-9D0B-4BDF3927F07C}" type="parTrans" cxnId="{3885A878-C70C-44B4-9F65-2A5FF37CF2AC}">
+      <dgm:prSet/>
+      <dgm:spPr/>
+      <dgm:t>
+        <a:bodyPr/>
+        <a:lstStyle/>
+        <a:p>
+          <a:endParaRPr lang="en-US"/>
+        </a:p>
+      </dgm:t>
+    </dgm:pt>
+    <dgm:pt modelId="{E656DCB6-923B-464D-BF99-2A71C2A8E90E}" type="sibTrans" cxnId="{3885A878-C70C-44B4-9F65-2A5FF37CF2AC}">
+      <dgm:prSet/>
+      <dgm:spPr/>
+      <dgm:t>
+        <a:bodyPr/>
+        <a:lstStyle/>
+        <a:p>
+          <a:endParaRPr lang="en-US"/>
+        </a:p>
+      </dgm:t>
+    </dgm:pt>
+    <dgm:pt modelId="{168FDE9F-E779-4113-B1B5-61A6419702E5}">
+      <dgm:prSet/>
+      <dgm:spPr/>
+      <dgm:t>
+        <a:bodyPr/>
+        <a:lstStyle/>
+        <a:p>
+          <a:r>
+            <a:rPr lang="en-US"/>
+            <a:t>Steal Information.</a:t>
+          </a:r>
+        </a:p>
+      </dgm:t>
+    </dgm:pt>
+    <dgm:pt modelId="{34D4F402-335F-46AA-B9D1-8ED08F6137FA}" type="parTrans" cxnId="{8E391632-ED75-49C3-B20C-65D440D01060}">
+      <dgm:prSet/>
+      <dgm:spPr/>
+      <dgm:t>
+        <a:bodyPr/>
+        <a:lstStyle/>
+        <a:p>
+          <a:endParaRPr lang="en-US"/>
+        </a:p>
+      </dgm:t>
+    </dgm:pt>
+    <dgm:pt modelId="{822C9BF6-8F0F-4FF2-829A-014068F00761}" type="sibTrans" cxnId="{8E391632-ED75-49C3-B20C-65D440D01060}">
+      <dgm:prSet/>
+      <dgm:spPr/>
+      <dgm:t>
+        <a:bodyPr/>
+        <a:lstStyle/>
+        <a:p>
+          <a:endParaRPr lang="en-US"/>
+        </a:p>
+      </dgm:t>
+    </dgm:pt>
+    <dgm:pt modelId="{200434E1-C8EC-4F61-8804-A108A0A5AADF}">
+      <dgm:prSet/>
+      <dgm:spPr/>
+      <dgm:t>
+        <a:bodyPr/>
+        <a:lstStyle/>
+        <a:p>
+          <a:r>
+            <a:rPr lang="en-US"/>
+            <a:t>Machine Learning projects.</a:t>
+          </a:r>
+        </a:p>
+      </dgm:t>
+    </dgm:pt>
+    <dgm:pt modelId="{709E377F-D6EE-45CA-AE6C-AD780521C65A}" type="parTrans" cxnId="{B170D310-5FCF-40EC-8C3E-115D6126837A}">
+      <dgm:prSet/>
+      <dgm:spPr/>
+      <dgm:t>
+        <a:bodyPr/>
+        <a:lstStyle/>
+        <a:p>
+          <a:endParaRPr lang="en-US"/>
+        </a:p>
+      </dgm:t>
+    </dgm:pt>
+    <dgm:pt modelId="{1F717212-04DD-4366-A29A-80283CB2E898}" type="sibTrans" cxnId="{B170D310-5FCF-40EC-8C3E-115D6126837A}">
+      <dgm:prSet/>
+      <dgm:spPr/>
+      <dgm:t>
+        <a:bodyPr/>
+        <a:lstStyle/>
+        <a:p>
+          <a:endParaRPr lang="en-US"/>
+        </a:p>
+      </dgm:t>
+    </dgm:pt>
+    <dgm:pt modelId="{D3C0FD82-8955-43BD-9E8A-3983FCDE6DC7}" type="pres">
+      <dgm:prSet presAssocID="{1A1B512A-DB6C-4943-A8D2-CAB2B5026752}" presName="root" presStyleCnt="0">
+        <dgm:presLayoutVars>
+          <dgm:dir/>
+          <dgm:resizeHandles val="exact"/>
+        </dgm:presLayoutVars>
+      </dgm:prSet>
+      <dgm:spPr/>
+    </dgm:pt>
+    <dgm:pt modelId="{4D833F5C-FFAD-4FC6-B17C-D9C2D54C47F6}" type="pres">
+      <dgm:prSet presAssocID="{CD820DDB-0B51-41BA-B309-A07E62818E30}" presName="compNode" presStyleCnt="0"/>
+      <dgm:spPr/>
+    </dgm:pt>
+    <dgm:pt modelId="{FE828C85-FAEE-40E2-99C6-4239E7C8EDB8}" type="pres">
+      <dgm:prSet presAssocID="{CD820DDB-0B51-41BA-B309-A07E62818E30}" presName="iconRect" presStyleLbl="node1" presStyleIdx="0" presStyleCnt="3"/>
+      <dgm:spPr>
+        <a:blipFill>
+          <a:blip xmlns:r="http://schemas.openxmlformats.org/officeDocument/2006/relationships" r:embed="rId1">
+            <a:extLst>
+              <a:ext uri="{28A0092B-C50C-407E-A947-70E740481C1C}">
+                <a14:useLocalDpi xmlns:a14="http://schemas.microsoft.com/office/drawing/2010/main" val="0"/>
+              </a:ext>
+              <a:ext uri="{96DAC541-7B7A-43D3-8B79-37D633B846F1}">
+                <asvg:svgBlip xmlns:asvg="http://schemas.microsoft.com/office/drawing/2016/SVG/main" r:embed="rId2"/>
+              </a:ext>
+            </a:extLst>
+          </a:blip>
+          <a:stretch>
+            <a:fillRect/>
+          </a:stretch>
+        </a:blipFill>
+        <a:ln>
+          <a:noFill/>
+        </a:ln>
+      </dgm:spPr>
+      <dgm:extLst>
+        <a:ext uri="{E40237B7-FDA0-4F09-8148-C483321AD2D9}">
+          <dgm14:cNvPr xmlns:dgm14="http://schemas.microsoft.com/office/drawing/2010/diagram" id="0" name="" descr="Kiosk"/>
+        </a:ext>
+      </dgm:extLst>
+    </dgm:pt>
+    <dgm:pt modelId="{EE2C2E42-7B83-415C-8431-9F03830E10D7}" type="pres">
+      <dgm:prSet presAssocID="{CD820DDB-0B51-41BA-B309-A07E62818E30}" presName="spaceRect" presStyleCnt="0"/>
+      <dgm:spPr/>
+    </dgm:pt>
+    <dgm:pt modelId="{12D6DEA5-54F7-43F4-825A-8D655FF28CE8}" type="pres">
+      <dgm:prSet presAssocID="{CD820DDB-0B51-41BA-B309-A07E62818E30}" presName="textRect" presStyleLbl="revTx" presStyleIdx="0" presStyleCnt="3">
+        <dgm:presLayoutVars>
+          <dgm:chMax val="1"/>
+          <dgm:chPref val="1"/>
+        </dgm:presLayoutVars>
+      </dgm:prSet>
+      <dgm:spPr/>
+    </dgm:pt>
+    <dgm:pt modelId="{E42A957A-9D39-49BC-825B-349F1B33F88C}" type="pres">
+      <dgm:prSet presAssocID="{E656DCB6-923B-464D-BF99-2A71C2A8E90E}" presName="sibTrans" presStyleCnt="0"/>
+      <dgm:spPr/>
+    </dgm:pt>
+    <dgm:pt modelId="{EAE622E9-606F-404C-87E1-464F4BA557AC}" type="pres">
+      <dgm:prSet presAssocID="{168FDE9F-E779-4113-B1B5-61A6419702E5}" presName="compNode" presStyleCnt="0"/>
+      <dgm:spPr/>
+    </dgm:pt>
+    <dgm:pt modelId="{75E615C4-853C-4AEB-B5FF-DEA219BAFE31}" type="pres">
+      <dgm:prSet presAssocID="{168FDE9F-E779-4113-B1B5-61A6419702E5}" presName="iconRect" presStyleLbl="node1" presStyleIdx="1" presStyleCnt="3"/>
+      <dgm:spPr>
+        <a:blipFill>
+          <a:blip xmlns:r="http://schemas.openxmlformats.org/officeDocument/2006/relationships" r:embed="rId3">
+            <a:extLst>
+              <a:ext uri="{28A0092B-C50C-407E-A947-70E740481C1C}">
+                <a14:useLocalDpi xmlns:a14="http://schemas.microsoft.com/office/drawing/2010/main" val="0"/>
+              </a:ext>
+              <a:ext uri="{96DAC541-7B7A-43D3-8B79-37D633B846F1}">
+                <asvg:svgBlip xmlns:asvg="http://schemas.microsoft.com/office/drawing/2016/SVG/main" r:embed="rId4"/>
+              </a:ext>
+            </a:extLst>
+          </a:blip>
+          <a:stretch>
+            <a:fillRect/>
+          </a:stretch>
+        </a:blipFill>
+        <a:ln>
+          <a:noFill/>
+        </a:ln>
+      </dgm:spPr>
+      <dgm:extLst>
+        <a:ext uri="{E40237B7-FDA0-4F09-8148-C483321AD2D9}">
+          <dgm14:cNvPr xmlns:dgm14="http://schemas.microsoft.com/office/drawing/2010/diagram" id="0" name="" descr="Robber"/>
+        </a:ext>
+      </dgm:extLst>
+    </dgm:pt>
+    <dgm:pt modelId="{8D82F19A-DA17-47E1-84E0-940EB9A58043}" type="pres">
+      <dgm:prSet presAssocID="{168FDE9F-E779-4113-B1B5-61A6419702E5}" presName="spaceRect" presStyleCnt="0"/>
+      <dgm:spPr/>
+    </dgm:pt>
+    <dgm:pt modelId="{1CB56190-0C7B-4960-A105-C7399C3B3512}" type="pres">
+      <dgm:prSet presAssocID="{168FDE9F-E779-4113-B1B5-61A6419702E5}" presName="textRect" presStyleLbl="revTx" presStyleIdx="1" presStyleCnt="3">
+        <dgm:presLayoutVars>
+          <dgm:chMax val="1"/>
+          <dgm:chPref val="1"/>
+        </dgm:presLayoutVars>
+      </dgm:prSet>
+      <dgm:spPr/>
+    </dgm:pt>
+    <dgm:pt modelId="{3A442665-44C4-4E4F-AFCF-D0C3E294500C}" type="pres">
+      <dgm:prSet presAssocID="{822C9BF6-8F0F-4FF2-829A-014068F00761}" presName="sibTrans" presStyleCnt="0"/>
+      <dgm:spPr/>
+    </dgm:pt>
+    <dgm:pt modelId="{26CA062B-7B1D-474B-AB57-437299BBDACC}" type="pres">
+      <dgm:prSet presAssocID="{200434E1-C8EC-4F61-8804-A108A0A5AADF}" presName="compNode" presStyleCnt="0"/>
+      <dgm:spPr/>
+    </dgm:pt>
+    <dgm:pt modelId="{5FA32F88-1AC8-472E-8FD9-AD123D119675}" type="pres">
+      <dgm:prSet presAssocID="{200434E1-C8EC-4F61-8804-A108A0A5AADF}" presName="iconRect" presStyleLbl="node1" presStyleIdx="2" presStyleCnt="3"/>
+      <dgm:spPr>
+        <a:blipFill>
+          <a:blip xmlns:r="http://schemas.openxmlformats.org/officeDocument/2006/relationships" r:embed="rId5">
+            <a:extLst>
+              <a:ext uri="{28A0092B-C50C-407E-A947-70E740481C1C}">
+                <a14:useLocalDpi xmlns:a14="http://schemas.microsoft.com/office/drawing/2010/main" val="0"/>
+              </a:ext>
+              <a:ext uri="{96DAC541-7B7A-43D3-8B79-37D633B846F1}">
+                <asvg:svgBlip xmlns:asvg="http://schemas.microsoft.com/office/drawing/2016/SVG/main" r:embed="rId6"/>
+              </a:ext>
+            </a:extLst>
+          </a:blip>
+          <a:stretch>
+            <a:fillRect/>
+          </a:stretch>
+        </a:blipFill>
+        <a:ln>
+          <a:noFill/>
+        </a:ln>
+      </dgm:spPr>
+      <dgm:extLst>
+        <a:ext uri="{E40237B7-FDA0-4F09-8148-C483321AD2D9}">
+          <dgm14:cNvPr xmlns:dgm14="http://schemas.microsoft.com/office/drawing/2010/diagram" id="0" name="" descr="Robot"/>
+        </a:ext>
+      </dgm:extLst>
+    </dgm:pt>
+    <dgm:pt modelId="{A127B9C9-0586-44E1-BD79-520ACFF61CC0}" type="pres">
+      <dgm:prSet presAssocID="{200434E1-C8EC-4F61-8804-A108A0A5AADF}" presName="spaceRect" presStyleCnt="0"/>
+      <dgm:spPr/>
+    </dgm:pt>
+    <dgm:pt modelId="{D882C13F-2A43-47F5-BBEF-00F0B4B7CA2B}" type="pres">
+      <dgm:prSet presAssocID="{200434E1-C8EC-4F61-8804-A108A0A5AADF}" presName="textRect" presStyleLbl="revTx" presStyleIdx="2" presStyleCnt="3">
+        <dgm:presLayoutVars>
+          <dgm:chMax val="1"/>
+          <dgm:chPref val="1"/>
+        </dgm:presLayoutVars>
+      </dgm:prSet>
+      <dgm:spPr/>
+    </dgm:pt>
+  </dgm:ptLst>
+  <dgm:cxnLst>
+    <dgm:cxn modelId="{AB95C60D-9106-4B0F-ACD0-4A6BA095CA66}" type="presOf" srcId="{168FDE9F-E779-4113-B1B5-61A6419702E5}" destId="{1CB56190-0C7B-4960-A105-C7399C3B3512}" srcOrd="0" destOrd="0" presId="urn:microsoft.com/office/officeart/2018/2/layout/IconLabelList"/>
+    <dgm:cxn modelId="{B170D310-5FCF-40EC-8C3E-115D6126837A}" srcId="{1A1B512A-DB6C-4943-A8D2-CAB2B5026752}" destId="{200434E1-C8EC-4F61-8804-A108A0A5AADF}" srcOrd="2" destOrd="0" parTransId="{709E377F-D6EE-45CA-AE6C-AD780521C65A}" sibTransId="{1F717212-04DD-4366-A29A-80283CB2E898}"/>
+    <dgm:cxn modelId="{1397CA30-8A74-4660-86E4-36FB3ADDC7F6}" type="presOf" srcId="{200434E1-C8EC-4F61-8804-A108A0A5AADF}" destId="{D882C13F-2A43-47F5-BBEF-00F0B4B7CA2B}" srcOrd="0" destOrd="0" presId="urn:microsoft.com/office/officeart/2018/2/layout/IconLabelList"/>
+    <dgm:cxn modelId="{8E391632-ED75-49C3-B20C-65D440D01060}" srcId="{1A1B512A-DB6C-4943-A8D2-CAB2B5026752}" destId="{168FDE9F-E779-4113-B1B5-61A6419702E5}" srcOrd="1" destOrd="0" parTransId="{34D4F402-335F-46AA-B9D1-8ED08F6137FA}" sibTransId="{822C9BF6-8F0F-4FF2-829A-014068F00761}"/>
+    <dgm:cxn modelId="{8C8AE243-F489-4D45-AE96-C61B5C4AD0E0}" type="presOf" srcId="{1A1B512A-DB6C-4943-A8D2-CAB2B5026752}" destId="{D3C0FD82-8955-43BD-9E8A-3983FCDE6DC7}" srcOrd="0" destOrd="0" presId="urn:microsoft.com/office/officeart/2018/2/layout/IconLabelList"/>
+    <dgm:cxn modelId="{3885A878-C70C-44B4-9F65-2A5FF37CF2AC}" srcId="{1A1B512A-DB6C-4943-A8D2-CAB2B5026752}" destId="{CD820DDB-0B51-41BA-B309-A07E62818E30}" srcOrd="0" destOrd="0" parTransId="{60E9581E-227F-4051-9D0B-4BDF3927F07C}" sibTransId="{E656DCB6-923B-464D-BF99-2A71C2A8E90E}"/>
+    <dgm:cxn modelId="{A980EADF-5076-46DE-B09B-92AC19EDE9DB}" type="presOf" srcId="{CD820DDB-0B51-41BA-B309-A07E62818E30}" destId="{12D6DEA5-54F7-43F4-825A-8D655FF28CE8}" srcOrd="0" destOrd="0" presId="urn:microsoft.com/office/officeart/2018/2/layout/IconLabelList"/>
+    <dgm:cxn modelId="{01F0941C-EF81-47C1-A024-94DD6922E2BD}" type="presParOf" srcId="{D3C0FD82-8955-43BD-9E8A-3983FCDE6DC7}" destId="{4D833F5C-FFAD-4FC6-B17C-D9C2D54C47F6}" srcOrd="0" destOrd="0" presId="urn:microsoft.com/office/officeart/2018/2/layout/IconLabelList"/>
+    <dgm:cxn modelId="{8E19959E-60E9-409C-BE0C-E5362EE78F70}" type="presParOf" srcId="{4D833F5C-FFAD-4FC6-B17C-D9C2D54C47F6}" destId="{FE828C85-FAEE-40E2-99C6-4239E7C8EDB8}" srcOrd="0" destOrd="0" presId="urn:microsoft.com/office/officeart/2018/2/layout/IconLabelList"/>
+    <dgm:cxn modelId="{EFAE8FDF-1A11-46CC-840B-9BD170DCE2A3}" type="presParOf" srcId="{4D833F5C-FFAD-4FC6-B17C-D9C2D54C47F6}" destId="{EE2C2E42-7B83-415C-8431-9F03830E10D7}" srcOrd="1" destOrd="0" presId="urn:microsoft.com/office/officeart/2018/2/layout/IconLabelList"/>
+    <dgm:cxn modelId="{45C309F3-8BC3-476F-8761-8062FB86CFEB}" type="presParOf" srcId="{4D833F5C-FFAD-4FC6-B17C-D9C2D54C47F6}" destId="{12D6DEA5-54F7-43F4-825A-8D655FF28CE8}" srcOrd="2" destOrd="0" presId="urn:microsoft.com/office/officeart/2018/2/layout/IconLabelList"/>
+    <dgm:cxn modelId="{E2E13C96-056E-4E9C-9C96-E2C657F322B7}" type="presParOf" srcId="{D3C0FD82-8955-43BD-9E8A-3983FCDE6DC7}" destId="{E42A957A-9D39-49BC-825B-349F1B33F88C}" srcOrd="1" destOrd="0" presId="urn:microsoft.com/office/officeart/2018/2/layout/IconLabelList"/>
+    <dgm:cxn modelId="{02E4A2C7-B646-4597-94C0-42C33F78D78A}" type="presParOf" srcId="{D3C0FD82-8955-43BD-9E8A-3983FCDE6DC7}" destId="{EAE622E9-606F-404C-87E1-464F4BA557AC}" srcOrd="2" destOrd="0" presId="urn:microsoft.com/office/officeart/2018/2/layout/IconLabelList"/>
+    <dgm:cxn modelId="{C704A150-39A1-47FD-98E1-116C5C8CB031}" type="presParOf" srcId="{EAE622E9-606F-404C-87E1-464F4BA557AC}" destId="{75E615C4-853C-4AEB-B5FF-DEA219BAFE31}" srcOrd="0" destOrd="0" presId="urn:microsoft.com/office/officeart/2018/2/layout/IconLabelList"/>
+    <dgm:cxn modelId="{DD8132C1-6333-46EA-AE2B-377DFC59B0AE}" type="presParOf" srcId="{EAE622E9-606F-404C-87E1-464F4BA557AC}" destId="{8D82F19A-DA17-47E1-84E0-940EB9A58043}" srcOrd="1" destOrd="0" presId="urn:microsoft.com/office/officeart/2018/2/layout/IconLabelList"/>
+    <dgm:cxn modelId="{2586BD39-7214-442D-B4E2-774AD48F85E4}" type="presParOf" srcId="{EAE622E9-606F-404C-87E1-464F4BA557AC}" destId="{1CB56190-0C7B-4960-A105-C7399C3B3512}" srcOrd="2" destOrd="0" presId="urn:microsoft.com/office/officeart/2018/2/layout/IconLabelList"/>
+    <dgm:cxn modelId="{A0792F66-1F96-4FA5-AC6C-583AB390BFD5}" type="presParOf" srcId="{D3C0FD82-8955-43BD-9E8A-3983FCDE6DC7}" destId="{3A442665-44C4-4E4F-AFCF-D0C3E294500C}" srcOrd="3" destOrd="0" presId="urn:microsoft.com/office/officeart/2018/2/layout/IconLabelList"/>
+    <dgm:cxn modelId="{97FDE922-306B-45E7-986D-CD49B0F13C21}" type="presParOf" srcId="{D3C0FD82-8955-43BD-9E8A-3983FCDE6DC7}" destId="{26CA062B-7B1D-474B-AB57-437299BBDACC}" srcOrd="4" destOrd="0" presId="urn:microsoft.com/office/officeart/2018/2/layout/IconLabelList"/>
+    <dgm:cxn modelId="{1939BFC2-0729-49B4-A5F8-8702E1004D33}" type="presParOf" srcId="{26CA062B-7B1D-474B-AB57-437299BBDACC}" destId="{5FA32F88-1AC8-472E-8FD9-AD123D119675}" srcOrd="0" destOrd="0" presId="urn:microsoft.com/office/officeart/2018/2/layout/IconLabelList"/>
+    <dgm:cxn modelId="{2B03BC42-072F-4561-8296-8EEE30FBFEBB}" type="presParOf" srcId="{26CA062B-7B1D-474B-AB57-437299BBDACC}" destId="{A127B9C9-0586-44E1-BD79-520ACFF61CC0}" srcOrd="1" destOrd="0" presId="urn:microsoft.com/office/officeart/2018/2/layout/IconLabelList"/>
+    <dgm:cxn modelId="{848FDFE6-8635-488D-8477-D57C8EE22933}" type="presParOf" srcId="{26CA062B-7B1D-474B-AB57-437299BBDACC}" destId="{D882C13F-2A43-47F5-BBEF-00F0B4B7CA2B}" srcOrd="2" destOrd="0" presId="urn:microsoft.com/office/officeart/2018/2/layout/IconLabelList"/>
+  </dgm:cxnLst>
+  <dgm:bg/>
+  <dgm:whole/>
+  <dgm:extLst>
+    <a:ext uri="http://schemas.microsoft.com/office/drawing/2008/diagram">
+      <dsp:dataModelExt xmlns:dsp="http://schemas.microsoft.com/office/drawing/2008/diagram" relId="rId7" minVer="http://schemas.openxmlformats.org/drawingml/2006/diagram"/>
+    </a:ext>
+  </dgm:extLst>
+</dgm:dataModel>
+</file>
+
+<file path=ppt/diagrams/drawing1.xml><?xml version="1.0" encoding="utf-8"?>
+<dsp:drawing xmlns:dgm="http://schemas.openxmlformats.org/drawingml/2006/diagram" xmlns:dsp="http://schemas.microsoft.com/office/drawing/2008/diagram" xmlns:a="http://schemas.openxmlformats.org/drawingml/2006/main">
+  <dsp:spTree>
+    <dsp:nvGrpSpPr>
+      <dsp:cNvPr id="0" name=""/>
+      <dsp:cNvGrpSpPr/>
+    </dsp:nvGrpSpPr>
+    <dsp:grpSpPr/>
+    <dsp:sp modelId="{FE828C85-FAEE-40E2-99C6-4239E7C8EDB8}">
+      <dsp:nvSpPr>
+        <dsp:cNvPr id="0" name=""/>
+        <dsp:cNvSpPr/>
+      </dsp:nvSpPr>
+      <dsp:spPr>
+        <a:xfrm>
+          <a:off x="1515641" y="311026"/>
+          <a:ext cx="798134" cy="798134"/>
+        </a:xfrm>
+        <a:prstGeom prst="rect">
+          <a:avLst/>
+        </a:prstGeom>
+        <a:blipFill>
+          <a:blip xmlns:r="http://schemas.openxmlformats.org/officeDocument/2006/relationships" r:embed="rId1">
+            <a:extLst>
+              <a:ext uri="{28A0092B-C50C-407E-A947-70E740481C1C}">
+                <a14:useLocalDpi xmlns:a14="http://schemas.microsoft.com/office/drawing/2010/main" val="0"/>
+              </a:ext>
+              <a:ext uri="{96DAC541-7B7A-43D3-8B79-37D633B846F1}">
+                <asvg:svgBlip xmlns:asvg="http://schemas.microsoft.com/office/drawing/2016/SVG/main" r:embed="rId2"/>
+              </a:ext>
+            </a:extLst>
+          </a:blip>
+          <a:stretch>
+            <a:fillRect/>
+          </a:stretch>
+        </a:blipFill>
+        <a:ln w="15875" cap="flat" cmpd="sng" algn="ctr">
+          <a:noFill/>
+          <a:prstDash val="solid"/>
+        </a:ln>
+        <a:effectLst/>
+      </dsp:spPr>
+      <dsp:style>
+        <a:lnRef idx="2">
+          <a:scrgbClr r="0" g="0" b="0"/>
+        </a:lnRef>
+        <a:fillRef idx="1">
+          <a:scrgbClr r="0" g="0" b="0"/>
+        </a:fillRef>
+        <a:effectRef idx="0">
+          <a:scrgbClr r="0" g="0" b="0"/>
+        </a:effectRef>
+        <a:fontRef idx="minor">
+          <a:schemeClr val="lt1"/>
+        </a:fontRef>
+      </dsp:style>
+    </dsp:sp>
+    <dsp:sp modelId="{12D6DEA5-54F7-43F4-825A-8D655FF28CE8}">
+      <dsp:nvSpPr>
+        <dsp:cNvPr id="0" name=""/>
+        <dsp:cNvSpPr/>
+      </dsp:nvSpPr>
+      <dsp:spPr>
+        <a:xfrm>
+          <a:off x="1027892" y="1387386"/>
+          <a:ext cx="1773632" cy="709453"/>
+        </a:xfrm>
+        <a:prstGeom prst="rect">
+          <a:avLst/>
+        </a:prstGeom>
+        <a:noFill/>
+        <a:ln>
+          <a:noFill/>
+        </a:ln>
+        <a:effectLst/>
+      </dsp:spPr>
+      <dsp:style>
+        <a:lnRef idx="0">
+          <a:scrgbClr r="0" g="0" b="0"/>
+        </a:lnRef>
+        <a:fillRef idx="0">
+          <a:scrgbClr r="0" g="0" b="0"/>
+        </a:fillRef>
+        <a:effectRef idx="0">
+          <a:scrgbClr r="0" g="0" b="0"/>
+        </a:effectRef>
+        <a:fontRef idx="minor"/>
+      </dsp:style>
+      <dsp:txBody>
+        <a:bodyPr spcFirstLastPara="0" vert="horz" wrap="square" lIns="0" tIns="0" rIns="0" bIns="0" numCol="1" spcCol="1270" anchor="t" anchorCtr="0">
+          <a:noAutofit/>
+        </a:bodyPr>
+        <a:lstStyle/>
+        <a:p>
+          <a:pPr marL="0" lvl="0" indent="0" algn="ctr" defTabSz="844550">
+            <a:lnSpc>
+              <a:spcPct val="90000"/>
+            </a:lnSpc>
+            <a:spcBef>
+              <a:spcPct val="0"/>
+            </a:spcBef>
+            <a:spcAft>
+              <a:spcPct val="35000"/>
+            </a:spcAft>
+            <a:buNone/>
+          </a:pPr>
+          <a:r>
+            <a:rPr lang="en-US" sz="1900" kern="1200"/>
+            <a:t>Sell Collected Information.</a:t>
+          </a:r>
+        </a:p>
+      </dsp:txBody>
+      <dsp:txXfrm>
+        <a:off x="1027892" y="1387386"/>
+        <a:ext cx="1773632" cy="709453"/>
+      </dsp:txXfrm>
+    </dsp:sp>
+    <dsp:sp modelId="{75E615C4-853C-4AEB-B5FF-DEA219BAFE31}">
+      <dsp:nvSpPr>
+        <dsp:cNvPr id="0" name=""/>
+        <dsp:cNvSpPr/>
+      </dsp:nvSpPr>
+      <dsp:spPr>
+        <a:xfrm>
+          <a:off x="3599660" y="311026"/>
+          <a:ext cx="798134" cy="798134"/>
+        </a:xfrm>
+        <a:prstGeom prst="rect">
+          <a:avLst/>
+        </a:prstGeom>
+        <a:blipFill>
+          <a:blip xmlns:r="http://schemas.openxmlformats.org/officeDocument/2006/relationships" r:embed="rId3">
+            <a:extLst>
+              <a:ext uri="{28A0092B-C50C-407E-A947-70E740481C1C}">
+                <a14:useLocalDpi xmlns:a14="http://schemas.microsoft.com/office/drawing/2010/main" val="0"/>
+              </a:ext>
+              <a:ext uri="{96DAC541-7B7A-43D3-8B79-37D633B846F1}">
+                <asvg:svgBlip xmlns:asvg="http://schemas.microsoft.com/office/drawing/2016/SVG/main" r:embed="rId4"/>
+              </a:ext>
+            </a:extLst>
+          </a:blip>
+          <a:stretch>
+            <a:fillRect/>
+          </a:stretch>
+        </a:blipFill>
+        <a:ln w="15875" cap="flat" cmpd="sng" algn="ctr">
+          <a:noFill/>
+          <a:prstDash val="solid"/>
+        </a:ln>
+        <a:effectLst/>
+      </dsp:spPr>
+      <dsp:style>
+        <a:lnRef idx="2">
+          <a:scrgbClr r="0" g="0" b="0"/>
+        </a:lnRef>
+        <a:fillRef idx="1">
+          <a:scrgbClr r="0" g="0" b="0"/>
+        </a:fillRef>
+        <a:effectRef idx="0">
+          <a:scrgbClr r="0" g="0" b="0"/>
+        </a:effectRef>
+        <a:fontRef idx="minor">
+          <a:schemeClr val="lt1"/>
+        </a:fontRef>
+      </dsp:style>
+    </dsp:sp>
+    <dsp:sp modelId="{1CB56190-0C7B-4960-A105-C7399C3B3512}">
+      <dsp:nvSpPr>
+        <dsp:cNvPr id="0" name=""/>
+        <dsp:cNvSpPr/>
+      </dsp:nvSpPr>
+      <dsp:spPr>
+        <a:xfrm>
+          <a:off x="3111911" y="1387386"/>
+          <a:ext cx="1773632" cy="709453"/>
+        </a:xfrm>
+        <a:prstGeom prst="rect">
+          <a:avLst/>
+        </a:prstGeom>
+        <a:noFill/>
+        <a:ln>
+          <a:noFill/>
+        </a:ln>
+        <a:effectLst/>
+      </dsp:spPr>
+      <dsp:style>
+        <a:lnRef idx="0">
+          <a:scrgbClr r="0" g="0" b="0"/>
+        </a:lnRef>
+        <a:fillRef idx="0">
+          <a:scrgbClr r="0" g="0" b="0"/>
+        </a:fillRef>
+        <a:effectRef idx="0">
+          <a:scrgbClr r="0" g="0" b="0"/>
+        </a:effectRef>
+        <a:fontRef idx="minor"/>
+      </dsp:style>
+      <dsp:txBody>
+        <a:bodyPr spcFirstLastPara="0" vert="horz" wrap="square" lIns="0" tIns="0" rIns="0" bIns="0" numCol="1" spcCol="1270" anchor="t" anchorCtr="0">
+          <a:noAutofit/>
+        </a:bodyPr>
+        <a:lstStyle/>
+        <a:p>
+          <a:pPr marL="0" lvl="0" indent="0" algn="ctr" defTabSz="844550">
+            <a:lnSpc>
+              <a:spcPct val="90000"/>
+            </a:lnSpc>
+            <a:spcBef>
+              <a:spcPct val="0"/>
+            </a:spcBef>
+            <a:spcAft>
+              <a:spcPct val="35000"/>
+            </a:spcAft>
+            <a:buNone/>
+          </a:pPr>
+          <a:r>
+            <a:rPr lang="en-US" sz="1900" kern="1200"/>
+            <a:t>Steal Information.</a:t>
+          </a:r>
+        </a:p>
+      </dsp:txBody>
+      <dsp:txXfrm>
+        <a:off x="3111911" y="1387386"/>
+        <a:ext cx="1773632" cy="709453"/>
+      </dsp:txXfrm>
+    </dsp:sp>
+    <dsp:sp modelId="{5FA32F88-1AC8-472E-8FD9-AD123D119675}">
+      <dsp:nvSpPr>
+        <dsp:cNvPr id="0" name=""/>
+        <dsp:cNvSpPr/>
+      </dsp:nvSpPr>
+      <dsp:spPr>
+        <a:xfrm>
+          <a:off x="2557651" y="2540248"/>
+          <a:ext cx="798134" cy="798134"/>
+        </a:xfrm>
+        <a:prstGeom prst="rect">
+          <a:avLst/>
+        </a:prstGeom>
+        <a:blipFill>
+          <a:blip xmlns:r="http://schemas.openxmlformats.org/officeDocument/2006/relationships" r:embed="rId5">
+            <a:extLst>
+              <a:ext uri="{28A0092B-C50C-407E-A947-70E740481C1C}">
+                <a14:useLocalDpi xmlns:a14="http://schemas.microsoft.com/office/drawing/2010/main" val="0"/>
+              </a:ext>
+              <a:ext uri="{96DAC541-7B7A-43D3-8B79-37D633B846F1}">
+                <asvg:svgBlip xmlns:asvg="http://schemas.microsoft.com/office/drawing/2016/SVG/main" r:embed="rId6"/>
+              </a:ext>
+            </a:extLst>
+          </a:blip>
+          <a:stretch>
+            <a:fillRect/>
+          </a:stretch>
+        </a:blipFill>
+        <a:ln w="15875" cap="flat" cmpd="sng" algn="ctr">
+          <a:noFill/>
+          <a:prstDash val="solid"/>
+        </a:ln>
+        <a:effectLst/>
+      </dsp:spPr>
+      <dsp:style>
+        <a:lnRef idx="2">
+          <a:scrgbClr r="0" g="0" b="0"/>
+        </a:lnRef>
+        <a:fillRef idx="1">
+          <a:scrgbClr r="0" g="0" b="0"/>
+        </a:fillRef>
+        <a:effectRef idx="0">
+          <a:scrgbClr r="0" g="0" b="0"/>
+        </a:effectRef>
+        <a:fontRef idx="minor">
+          <a:schemeClr val="lt1"/>
+        </a:fontRef>
+      </dsp:style>
+    </dsp:sp>
+    <dsp:sp modelId="{D882C13F-2A43-47F5-BBEF-00F0B4B7CA2B}">
+      <dsp:nvSpPr>
+        <dsp:cNvPr id="0" name=""/>
+        <dsp:cNvSpPr/>
+      </dsp:nvSpPr>
+      <dsp:spPr>
+        <a:xfrm>
+          <a:off x="2069902" y="3616608"/>
+          <a:ext cx="1773632" cy="709453"/>
+        </a:xfrm>
+        <a:prstGeom prst="rect">
+          <a:avLst/>
+        </a:prstGeom>
+        <a:noFill/>
+        <a:ln>
+          <a:noFill/>
+        </a:ln>
+        <a:effectLst/>
+      </dsp:spPr>
+      <dsp:style>
+        <a:lnRef idx="0">
+          <a:scrgbClr r="0" g="0" b="0"/>
+        </a:lnRef>
+        <a:fillRef idx="0">
+          <a:scrgbClr r="0" g="0" b="0"/>
+        </a:fillRef>
+        <a:effectRef idx="0">
+          <a:scrgbClr r="0" g="0" b="0"/>
+        </a:effectRef>
+        <a:fontRef idx="minor"/>
+      </dsp:style>
+      <dsp:txBody>
+        <a:bodyPr spcFirstLastPara="0" vert="horz" wrap="square" lIns="0" tIns="0" rIns="0" bIns="0" numCol="1" spcCol="1270" anchor="t" anchorCtr="0">
+          <a:noAutofit/>
+        </a:bodyPr>
+        <a:lstStyle/>
+        <a:p>
+          <a:pPr marL="0" lvl="0" indent="0" algn="ctr" defTabSz="844550">
+            <a:lnSpc>
+              <a:spcPct val="90000"/>
+            </a:lnSpc>
+            <a:spcBef>
+              <a:spcPct val="0"/>
+            </a:spcBef>
+            <a:spcAft>
+              <a:spcPct val="35000"/>
+            </a:spcAft>
+            <a:buNone/>
+          </a:pPr>
+          <a:r>
+            <a:rPr lang="en-US" sz="1900" kern="1200"/>
+            <a:t>Machine Learning projects.</a:t>
+          </a:r>
+        </a:p>
+      </dsp:txBody>
+      <dsp:txXfrm>
+        <a:off x="2069902" y="3616608"/>
+        <a:ext cx="1773632" cy="709453"/>
+      </dsp:txXfrm>
+    </dsp:sp>
+  </dsp:spTree>
+</dsp:drawing>
+</file>
+
+<file path=ppt/diagrams/layout1.xml><?xml version="1.0" encoding="utf-8"?>
+<dgm:layoutDef xmlns:dgm="http://schemas.openxmlformats.org/drawingml/2006/diagram" xmlns:a="http://schemas.openxmlformats.org/drawingml/2006/main" uniqueId="urn:microsoft.com/office/officeart/2018/2/layout/IconLabelList">
+  <dgm:title val="Icon Label List"/>
+  <dgm:desc val="Use to show non-sequential or grouped chunks of information accompanied by a related visuals. Works best with icons or small pictures with short text captions."/>
+  <dgm:catLst>
+    <dgm:cat type="icon" pri="500"/>
+  </dgm:catLst>
+  <dgm:sampData useDef="1">
+    <dgm:dataModel>
+      <dgm:ptLst/>
+      <dgm:bg/>
+      <dgm:whole/>
+    </dgm:dataModel>
+  </dgm:sampData>
+  <dgm:styleData useDef="1">
+    <dgm:dataModel>
+      <dgm:ptLst/>
+      <dgm:bg/>
+      <dgm:whole/>
+    </dgm:dataModel>
+  </dgm:styleData>
+  <dgm:clrData useDef="1">
+    <dgm:dataModel>
+      <dgm:ptLst/>
+      <dgm:bg/>
+      <dgm:whole/>
+    </dgm:dataModel>
+  </dgm:clrData>
+  <dgm:layoutNode name="root">
+    <dgm:varLst>
+      <dgm:dir/>
+      <dgm:resizeHandles val="exact"/>
+    </dgm:varLst>
+    <dgm:choose name="Name0">
+      <dgm:if name="Name1" axis="self" func="var" arg="dir" op="equ" val="norm">
+        <dgm:alg type="snake">
+          <dgm:param type="grDir" val="tL"/>
+          <dgm:param type="flowDir" val="row"/>
+          <dgm:param type="contDir" val="sameDir"/>
+          <dgm:param type="off" val="ctr"/>
+          <dgm:param type="vertAlign" val="mid"/>
+          <dgm:param type="horzAlign" val="ctr"/>
+        </dgm:alg>
+      </dgm:if>
+      <dgm:else name="Name2">
+        <dgm:alg type="snake">
+          <dgm:param type="grDir" val="tR"/>
+          <dgm:param type="flowDir" val="row"/>
+          <dgm:param type="contDir" val="sameDir"/>
+          <dgm:param type="off" val="ctr"/>
+          <dgm:param type="vertAlign" val="mid"/>
+          <dgm:param type="horzAlign" val="ctr"/>
+        </dgm:alg>
+      </dgm:else>
+    </dgm:choose>
+    <dgm:shape xmlns:r="http://schemas.openxmlformats.org/officeDocument/2006/relationships" r:blip="">
+      <dgm:adjLst/>
+    </dgm:shape>
+    <dgm:presOf/>
+    <dgm:choose name="Name3">
+      <dgm:if name="Name4" axis="ch" ptType="node" func="cnt" op="lte" val="2">
+        <dgm:constrLst>
+          <dgm:constr type="h" for="ch" forName="compNode" refType="h" fact="0.4"/>
+          <dgm:constr type="w" for="ch" forName="compNode" val="120"/>
+          <dgm:constr type="w" for="ch" forName="sibTrans" refType="w" refFor="ch" refForName="compNode" fact="0.175"/>
+          <dgm:constr type="sp" refType="w" refFor="ch" refForName="compNode" op="equ" fact="0.25"/>
+          <dgm:constr type="primFontSz" for="des" ptType="node" op="equ" val="50"/>
+          <dgm:constr type="h" for="des" forName="compNode" op="equ"/>
+          <dgm:constr type="h" for="des" forName="textRect" op="equ"/>
+        </dgm:constrLst>
+      </dgm:if>
+      <dgm:if name="Name5" axis="ch" ptType="node" func="cnt" op="lte" val="4">
+        <dgm:constrLst>
+          <dgm:constr type="h" for="ch" forName="compNode" refType="h" fact="0.4"/>
+          <dgm:constr type="w" for="ch" forName="compNode" refType="w"/>
+          <dgm:constr type="w" for="ch" forName="sibTrans" refType="w" refFor="ch" refForName="compNode" fact="0.175"/>
+          <dgm:constr type="sp" refType="w" refFor="ch" refForName="compNode" op="equ" fact="0.25"/>
+          <dgm:constr type="primFontSz" for="des" ptType="node" op="equ" val="36"/>
+          <dgm:constr type="h" for="des" forName="compNode" op="equ"/>
+          <dgm:constr type="h" for="des" forName="textRect" op="equ"/>
+        </dgm:constrLst>
+      </dgm:if>
+      <dgm:else name="Name6">
+        <dgm:constrLst>
+          <dgm:constr type="h" for="ch" forName="compNode" refType="h" fact="0.4"/>
+          <dgm:constr type="w" for="ch" forName="compNode" refType="w"/>
+          <dgm:constr type="w" for="ch" forName="sibTrans" refType="w" refFor="ch" refForName="compNode" fact="0.175"/>
+          <dgm:constr type="sp" refType="w" refFor="ch" refForName="compNode" op="equ" fact="0.25"/>
+          <dgm:constr type="primFontSz" for="des" ptType="node" op="equ" val="24"/>
+          <dgm:constr type="h" for="des" forName="compNode" op="equ"/>
+          <dgm:constr type="h" for="des" forName="textRect" op="equ"/>
+        </dgm:constrLst>
+      </dgm:else>
+    </dgm:choose>
+    <dgm:ruleLst>
+      <dgm:rule type="w" for="ch" forName="compNode" val="50" fact="NaN" max="NaN"/>
+    </dgm:ruleLst>
+    <dgm:forEach name="Name7" axis="ch" ptType="node">
+      <dgm:layoutNode name="compNode">
+        <dgm:alg type="composite"/>
+        <dgm:shape xmlns:r="http://schemas.openxmlformats.org/officeDocument/2006/relationships" r:blip="">
+          <dgm:adjLst/>
+        </dgm:shape>
+        <dgm:presOf axis="self"/>
+        <dgm:constrLst>
+          <dgm:constr type="w" for="ch" forName="iconRect" refType="w" fact="0.45"/>
+          <dgm:constr type="h" for="ch" forName="iconRect" refType="w" refFor="ch" refForName="iconRect"/>
+          <dgm:constr type="ctrX" for="ch" forName="iconRect" refType="w" fact="0.5"/>
+          <dgm:constr type="t" for="ch" forName="iconRect"/>
+          <dgm:constr type="h" for="ch" forName="spaceRect" refType="h" fact="0.15"/>
+          <dgm:constr type="w" for="ch" forName="spaceRect" refType="w"/>
+          <dgm:constr type="l" for="ch" forName="spaceRect"/>
+          <dgm:constr type="t" for="ch" forName="spaceRect" refType="b" refFor="ch" refForName="iconRect"/>
+          <dgm:constr type="h" for="ch" forName="textRect" val="20"/>
+          <dgm:constr type="w" for="ch" forName="textRect" refType="w"/>
+          <dgm:constr type="l" for="ch" forName="textRect"/>
+          <dgm:constr type="t" for="ch" forName="textRect" refType="b" refFor="ch" refForName="spaceRect"/>
+        </dgm:constrLst>
+        <dgm:ruleLst>
+          <dgm:rule type="h" val="INF" fact="NaN" max="NaN"/>
+        </dgm:ruleLst>
+        <dgm:layoutNode name="iconRect" styleLbl="node1">
+          <dgm:alg type="sp"/>
+          <dgm:shape xmlns:r="http://schemas.openxmlformats.org/officeDocument/2006/relationships" type="rect" r:blip="" blipPhldr="1">
+            <dgm:adjLst/>
+          </dgm:shape>
+          <dgm:presOf/>
+          <dgm:constrLst/>
+          <dgm:ruleLst/>
+        </dgm:layoutNode>
+        <dgm:layoutNode name="spaceRect">
+          <dgm:alg type="sp"/>
+          <dgm:shape xmlns:r="http://schemas.openxmlformats.org/officeDocument/2006/relationships" r:blip="">
+            <dgm:adjLst/>
+          </dgm:shape>
+          <dgm:presOf/>
+          <dgm:constrLst/>
+          <dgm:ruleLst/>
+        </dgm:layoutNode>
+        <dgm:layoutNode name="textRect" styleLbl="revTx">
+          <dgm:varLst>
+            <dgm:chMax val="1"/>
+            <dgm:chPref val="1"/>
+          </dgm:varLst>
+          <dgm:alg type="tx">
+            <dgm:param type="txAnchorVert" val="t"/>
+          </dgm:alg>
+          <dgm:shape xmlns:r="http://schemas.openxmlformats.org/officeDocument/2006/relationships" type="rect" r:blip="">
+            <dgm:adjLst/>
+          </dgm:shape>
+          <dgm:presOf axis="self" ptType="node"/>
+          <dgm:constrLst>
+            <dgm:constr type="lMarg"/>
+            <dgm:constr type="rMarg"/>
+            <dgm:constr type="tMarg"/>
+            <dgm:constr type="bMarg"/>
+          </dgm:constrLst>
+          <dgm:ruleLst>
+            <dgm:rule type="primFontSz" val="11" fact="NaN" max="NaN"/>
+            <dgm:rule type="h" val="INF" fact="NaN" max="NaN"/>
+          </dgm:ruleLst>
+        </dgm:layoutNode>
+      </dgm:layoutNode>
+      <dgm:forEach name="Name8" axis="followSib" ptType="sibTrans" cnt="1">
+        <dgm:layoutNode name="sibTrans">
+          <dgm:alg type="sp"/>
+          <dgm:shape xmlns:r="http://schemas.openxmlformats.org/officeDocument/2006/relationships" r:blip="">
+            <dgm:adjLst/>
+          </dgm:shape>
+          <dgm:presOf axis="self"/>
+          <dgm:constrLst/>
+          <dgm:ruleLst/>
+        </dgm:layoutNode>
+      </dgm:forEach>
+    </dgm:forEach>
+  </dgm:layoutNode>
+  <dgm:extLst>
+    <a:ext uri="{68A01E43-0DF5-4B5B-8FA6-DAF915123BFB}">
+      <dgm1612:lstStyle xmlns:dgm1612="http://schemas.microsoft.com/office/drawing/2016/12/diagram">
+        <a:lvl1pPr>
+          <a:lnSpc>
+            <a:spcPct val="100000"/>
+          </a:lnSpc>
+        </a:lvl1pPr>
+      </dgm1612:lstStyle>
+    </a:ext>
+  </dgm:extLst>
+</dgm:layoutDef>
+</file>
+
+<file path=ppt/diagrams/quickStyle1.xml><?xml version="1.0" encoding="utf-8"?>
+<dgm:styleDef xmlns:dgm="http://schemas.openxmlformats.org/drawingml/2006/diagram" xmlns:a="http://schemas.openxmlformats.org/drawingml/2006/main" uniqueId="urn:microsoft.com/office/officeart/2005/8/quickstyle/simple1">
+  <dgm:title val=""/>
+  <dgm:desc val=""/>
+  <dgm:catLst>
+    <dgm:cat type="simple" pri="10100"/>
+  </dgm:catLst>
+  <dgm:scene3d>
+    <a:camera prst="orthographicFront"/>
+    <a:lightRig rig="threePt" dir="t"/>
+  </dgm:scene3d>
+  <dgm:styleLbl name="node0">
+    <dgm:scene3d>
+      <a:camera prst="orthographicFront"/>
+      <a:lightRig rig="threePt" dir="t"/>
+    </dgm:scene3d>
+    <dgm:sp3d/>
+    <dgm:txPr/>
+    <dgm:style>
+      <a:lnRef idx="2">
+        <a:scrgbClr r="0" g="0" b="0"/>
+      </a:lnRef>
+      <a:fillRef idx="1">
+        <a:scrgbClr r="0" g="0" b="0"/>
+      </a:fillRef>
+      <a:effectRef idx="0">
+        <a:scrgbClr r="0" g="0" b="0"/>
+      </a:effectRef>
+      <a:fontRef idx="minor">
+        <a:schemeClr val="lt1"/>
+      </a:fontRef>
+    </dgm:style>
+  </dgm:styleLbl>
+  <dgm:styleLbl name="lnNode1">
+    <dgm:scene3d>
+      <a:camera prst="orthographicFront"/>
+      <a:lightRig rig="threePt" dir="t"/>
+    </dgm:scene3d>
+    <dgm:sp3d/>
+    <dgm:txPr/>
+    <dgm:style>
+      <a:lnRef idx="2">
+        <a:scrgbClr r="0" g="0" b="0"/>
+      </a:lnRef>
+      <a:fillRef idx="1">
+        <a:scrgbClr r="0" g="0" b="0"/>
+      </a:fillRef>
+      <a:effectRef idx="0">
+        <a:scrgbClr r="0" g="0" b="0"/>
+      </a:effectRef>
+      <a:fontRef idx="minor">
+        <a:schemeClr val="lt1"/>
+      </a:fontRef>
+    </dgm:style>
+  </dgm:styleLbl>
+  <dgm:styleLbl name="vennNode1">
+    <dgm:scene3d>
+      <a:camera prst="orthographicFront"/>
+      <a:lightRig rig="threePt" dir="t"/>
+    </dgm:scene3d>
+    <dgm:sp3d/>
+    <dgm:txPr/>
+    <dgm:style>
+      <a:lnRef idx="2">
+        <a:scrgbClr r="0" g="0" b="0"/>
+      </a:lnRef>
+      <a:fillRef idx="1">
+        <a:scrgbClr r="0" g="0" b="0"/>
+      </a:fillRef>
+      <a:effectRef idx="0">
+        <a:scrgbClr r="0" g="0" b="0"/>
+      </a:effectRef>
+      <a:fontRef idx="minor">
+        <a:schemeClr val="tx1"/>
+      </a:fontRef>
+    </dgm:style>
+  </dgm:styleLbl>
+  <dgm:styleLbl name="alignNode1">
+    <dgm:scene3d>
+      <a:camera prst="orthographicFront"/>
+      <a:lightRig rig="threePt" dir="t"/>
+    </dgm:scene3d>
+    <dgm:sp3d/>
+    <dgm:txPr/>
+    <dgm:style>
+      <a:lnRef idx="2">
+        <a:scrgbClr r="0" g="0" b="0"/>
+      </a:lnRef>
+      <a:fillRef idx="1">
+        <a:scrgbClr r="0" g="0" b="0"/>
+      </a:fillRef>
+      <a:effectRef idx="0">
+        <a:scrgbClr r="0" g="0" b="0"/>
+      </a:effectRef>
+      <a:fontRef idx="minor">
+        <a:schemeClr val="lt1"/>
+      </a:fontRef>
+    </dgm:style>
+  </dgm:styleLbl>
+  <dgm:styleLbl name="node1">
+    <dgm:scene3d>
+      <a:camera prst="orthographicFront"/>
+      <a:lightRig rig="threePt" dir="t"/>
+    </dgm:scene3d>
+    <dgm:sp3d/>
+    <dgm:txPr/>
+    <dgm:style>
+      <a:lnRef idx="2">
+        <a:scrgbClr r="0" g="0" b="0"/>
+      </a:lnRef>
+      <a:fillRef idx="1">
+        <a:scrgbClr r="0" g="0" b="0"/>
+      </a:fillRef>
+      <a:effectRef idx="0">
+        <a:scrgbClr r="0" g="0" b="0"/>
+      </a:effectRef>
+      <a:fontRef idx="minor">
+        <a:schemeClr val="lt1"/>
+      </a:fontRef>
+    </dgm:style>
+  </dgm:styleLbl>
+  <dgm:styleLbl name="node2">
+    <dgm:scene3d>
+      <a:camera prst="orthographicFront"/>
+      <a:lightRig rig="threePt" dir="t"/>
+    </dgm:scene3d>
+    <dgm:sp3d/>
+    <dgm:txPr/>
+    <dgm:style>
+      <a:lnRef idx="2">
+        <a:scrgbClr r="0" g="0" b="0"/>
+      </a:lnRef>
+      <a:fillRef idx="1">
+        <a:scrgbClr r="0" g="0" b="0"/>
+      </a:fillRef>
+      <a:effectRef idx="0">
+        <a:scrgbClr r="0" g="0" b="0"/>
+      </a:effectRef>
+      <a:fontRef idx="minor">
+        <a:schemeClr val="lt1"/>
+      </a:fontRef>
+    </dgm:style>
+  </dgm:styleLbl>
+  <dgm:styleLbl name="node3">
+    <dgm:scene3d>
+      <a:camera prst="orthographicFront"/>
+      <a:lightRig rig="threePt" dir="t"/>
+    </dgm:scene3d>
+    <dgm:sp3d/>
+    <dgm:txPr/>
+    <dgm:style>
+      <a:lnRef idx="2">
+        <a:scrgbClr r="0" g="0" b="0"/>
+      </a:lnRef>
+      <a:fillRef idx="1">
+        <a:scrgbClr r="0" g="0" b="0"/>
+      </a:fillRef>
+      <a:effectRef idx="0">
+        <a:scrgbClr r="0" g="0" b="0"/>
+      </a:effectRef>
+      <a:fontRef idx="minor">
+        <a:schemeClr val="lt1"/>
+      </a:fontRef>
+    </dgm:style>
+  </dgm:styleLbl>
+  <dgm:styleLbl name="node4">
+    <dgm:scene3d>
+      <a:camera prst="orthographicFront"/>
+      <a:lightRig rig="threePt" dir="t"/>
+    </dgm:scene3d>
+    <dgm:sp3d/>
+    <dgm:txPr/>
+    <dgm:style>
+      <a:lnRef idx="2">
+        <a:scrgbClr r="0" g="0" b="0"/>
+      </a:lnRef>
+      <a:fillRef idx="1">
+        <a:scrgbClr r="0" g="0" b="0"/>
+      </a:fillRef>
+      <a:effectRef idx="0">
+        <a:scrgbClr r="0" g="0" b="0"/>
+      </a:effectRef>
+      <a:fontRef idx="minor">
+        <a:schemeClr val="lt1"/>
+      </a:fontRef>
+    </dgm:style>
+  </dgm:styleLbl>
+  <dgm:styleLbl name="fgImgPlace1">
+    <dgm:scene3d>
+      <a:camera prst="orthographicFront"/>
+      <a:lightRig rig="threePt" dir="t"/>
+    </dgm:scene3d>
+    <dgm:sp3d/>
+    <dgm:txPr/>
+    <dgm:style>
+      <a:lnRef idx="2">
+        <a:scrgbClr r="0" g="0" b="0"/>
+      </a:lnRef>
+      <a:fillRef idx="1">
+        <a:scrgbClr r="0" g="0" b="0"/>
+      </a:fillRef>
+      <a:effectRef idx="0">
+        <a:scrgbClr r="0" g="0" b="0"/>
+      </a:effectRef>
+      <a:fontRef idx="minor"/>
+    </dgm:style>
+  </dgm:styleLbl>
+  <dgm:styleLbl name="alignImgPlace1">
+    <dgm:scene3d>
+      <a:camera prst="orthographicFront"/>
+      <a:lightRig rig="threePt" dir="t"/>
+    </dgm:scene3d>
+    <dgm:sp3d/>
+    <dgm:txPr/>
+    <dgm:style>
+      <a:lnRef idx="2">
+        <a:scrgbClr r="0" g="0" b="0"/>
+      </a:lnRef>
+      <a:fillRef idx="1">
+        <a:scrgbClr r="0" g="0" b="0"/>
+      </a:fillRef>
+      <a:effectRef idx="0">
+        <a:scrgbClr r="0" g="0" b="0"/>
+      </a:effectRef>
+      <a:fontRef idx="minor"/>
+    </dgm:style>
+  </dgm:styleLbl>
+  <dgm:styleLbl name="bgImgPlace1">
+    <dgm:scene3d>
+      <a:camera prst="orthographicFront"/>
+      <a:lightRig rig="threePt" dir="t"/>
+    </dgm:scene3d>
+    <dgm:sp3d/>
+    <dgm:txPr/>
+    <dgm:style>
+      <a:lnRef idx="2">
+        <a:scrgbClr r="0" g="0" b="0"/>
+      </a:lnRef>
+      <a:fillRef idx="1">
+        <a:scrgbClr r="0" g="0" b="0"/>
+      </a:fillRef>
+      <a:effectRef idx="0">
+        <a:scrgbClr r="0" g="0" b="0"/>
+      </a:effectRef>
+      <a:fontRef idx="minor"/>
+    </dgm:style>
+  </dgm:styleLbl>
+  <dgm:styleLbl name="sibTrans2D1">
+    <dgm:scene3d>
+      <a:camera prst="orthographicFront"/>
+      <a:lightRig rig="threePt" dir="t"/>
+    </dgm:scene3d>
+    <dgm:sp3d/>
+    <dgm:txPr/>
+    <dgm:style>
+      <a:lnRef idx="0">
+        <a:scrgbClr r="0" g="0" b="0"/>
+      </a:lnRef>
+      <a:fillRef idx="1">
+        <a:scrgbClr r="0" g="0" b="0"/>
+      </a:fillRef>
+      <a:effectRef idx="0">
+        <a:scrgbClr r="0" g="0" b="0"/>
+      </a:effectRef>
+      <a:fontRef idx="minor">
+        <a:schemeClr val="lt1"/>
+      </a:fontRef>
+    </dgm:style>
+  </dgm:styleLbl>
+  <dgm:styleLbl name="fgSibTrans2D1">
+    <dgm:scene3d>
+      <a:camera prst="orthographicFront"/>
+      <a:lightRig rig="threePt" dir="t"/>
+    </dgm:scene3d>
+    <dgm:sp3d/>
+    <dgm:txPr/>
+    <dgm:style>
+      <a:lnRef idx="0">
+        <a:scrgbClr r="0" g="0" b="0"/>
+      </a:lnRef>
+      <a:fillRef idx="1">
+        <a:scrgbClr r="0" g="0" b="0"/>
+      </a:fillRef>
+      <a:effectRef idx="0">
+        <a:scrgbClr r="0" g="0" b="0"/>
+      </a:effectRef>
+      <a:fontRef idx="minor">
+        <a:schemeClr val="lt1"/>
+      </a:fontRef>
+    </dgm:style>
+  </dgm:styleLbl>
+  <dgm:styleLbl name="bgSibTrans2D1">
+    <dgm:scene3d>
+      <a:camera prst="orthographicFront"/>
+      <a:lightRig rig="threePt" dir="t"/>
+    </dgm:scene3d>
+    <dgm:sp3d/>
+    <dgm:txPr/>
+    <dgm:style>
+      <a:lnRef idx="0">
+        <a:scrgbClr r="0" g="0" b="0"/>
+      </a:lnRef>
+      <a:fillRef idx="1">
+        <a:scrgbClr r="0" g="0" b="0"/>
+      </a:fillRef>
+      <a:effectRef idx="0">
+        <a:scrgbClr r="0" g="0" b="0"/>
+      </a:effectRef>
+      <a:fontRef idx="minor">
+        <a:schemeClr val="lt1"/>
+      </a:fontRef>
+    </dgm:style>
+  </dgm:styleLbl>
+  <dgm:styleLbl name="sibTrans1D1">
+    <dgm:scene3d>
+      <a:camera prst="orthographicFront"/>
+      <a:lightRig rig="threePt" dir="t"/>
+    </dgm:scene3d>
+    <dgm:sp3d/>
+    <dgm:txPr/>
+    <dgm:style>
+      <a:lnRef idx="1">
+        <a:scrgbClr r="0" g="0" b="0"/>
+      </a:lnRef>
+      <a:fillRef idx="0">
+        <a:scrgbClr r="0" g="0" b="0"/>
+      </a:fillRef>
+      <a:effectRef idx="0">
+        <a:scrgbClr r="0" g="0" b="0"/>
+      </a:effectRef>
+      <a:fontRef idx="minor"/>
+    </dgm:style>
+  </dgm:styleLbl>
+  <dgm:styleLbl name="callout">
+    <dgm:scene3d>
+      <a:camera prst="orthographicFront"/>
+      <a:lightRig rig="threePt" dir="t"/>
+    </dgm:scene3d>
+    <dgm:sp3d/>
+    <dgm:txPr/>
+    <dgm:style>
+      <a:lnRef idx="2">
+        <a:scrgbClr r="0" g="0" b="0"/>
+      </a:lnRef>
+      <a:fillRef idx="1">
+        <a:scrgbClr r="0" g="0" b="0"/>
+      </a:fillRef>
+      <a:effectRef idx="0">
+        <a:scrgbClr r="0" g="0" b="0"/>
+      </a:effectRef>
+      <a:fontRef idx="minor"/>
+    </dgm:style>
+  </dgm:styleLbl>
+  <dgm:styleLbl name="asst0">
+    <dgm:scene3d>
+      <a:camera prst="orthographicFront"/>
+      <a:lightRig rig="threePt" dir="t"/>
+    </dgm:scene3d>
+    <dgm:sp3d/>
+    <dgm:txPr/>
+    <dgm:style>
+      <a:lnRef idx="2">
+        <a:scrgbClr r="0" g="0" b="0"/>
+      </a:lnRef>
+      <a:fillRef idx="1">
+        <a:scrgbClr r="0" g="0" b="0"/>
+      </a:fillRef>
+      <a:effectRef idx="0">
+        <a:scrgbClr r="0" g="0" b="0"/>
+      </a:effectRef>
+      <a:fontRef idx="minor">
+        <a:schemeClr val="lt1"/>
+      </a:fontRef>
+    </dgm:style>
+  </dgm:styleLbl>
+  <dgm:styleLbl name="asst1">
+    <dgm:scene3d>
+      <a:camera prst="orthographicFront"/>
+      <a:lightRig rig="threePt" dir="t"/>
+    </dgm:scene3d>
+    <dgm:sp3d/>
+    <dgm:txPr/>
+    <dgm:style>
+      <a:lnRef idx="2">
+        <a:scrgbClr r="0" g="0" b="0"/>
+      </a:lnRef>
+      <a:fillRef idx="1">
+        <a:scrgbClr r="0" g="0" b="0"/>
+      </a:fillRef>
+      <a:effectRef idx="0">
+        <a:scrgbClr r="0" g="0" b="0"/>
+      </a:effectRef>
+      <a:fontRef idx="minor">
+        <a:schemeClr val="lt1"/>
+      </a:fontRef>
+    </dgm:style>
+  </dgm:styleLbl>
+  <dgm:styleLbl name="asst2">
+    <dgm:scene3d>
+      <a:camera prst="orthographicFront"/>
+      <a:lightRig rig="threePt" dir="t"/>
+    </dgm:scene3d>
+    <dgm:sp3d/>
+    <dgm:txPr/>
+    <dgm:style>
+      <a:lnRef idx="2">
+        <a:scrgbClr r="0" g="0" b="0"/>
+      </a:lnRef>
+      <a:fillRef idx="1">
+        <a:scrgbClr r="0" g="0" b="0"/>
+      </a:fillRef>
+      <a:effectRef idx="0">
+        <a:scrgbClr r="0" g="0" b="0"/>
+      </a:effectRef>
+      <a:fontRef idx="minor">
+        <a:schemeClr val="lt1"/>
+      </a:fontRef>
+    </dgm:style>
+  </dgm:styleLbl>
+  <dgm:styleLbl name="asst3">
+    <dgm:scene3d>
+      <a:camera prst="orthographicFront"/>
+      <a:lightRig rig="threePt" dir="t"/>
+    </dgm:scene3d>
+    <dgm:sp3d/>
+    <dgm:txPr/>
+    <dgm:style>
+      <a:lnRef idx="2">
+        <a:scrgbClr r="0" g="0" b="0"/>
+      </a:lnRef>
+      <a:fillRef idx="1">
+        <a:scrgbClr r="0" g="0" b="0"/>
+      </a:fillRef>
+      <a:effectRef idx="0">
+        <a:scrgbClr r="0" g="0" b="0"/>
+      </a:effectRef>
+      <a:fontRef idx="minor">
+        <a:schemeClr val="lt1"/>
+      </a:fontRef>
+    </dgm:style>
+  </dgm:styleLbl>
+  <dgm:styleLbl name="asst4">
+    <dgm:scene3d>
+      <a:camera prst="orthographicFront"/>
+      <a:lightRig rig="threePt" dir="t"/>
+    </dgm:scene3d>
+    <dgm:sp3d/>
+    <dgm:txPr/>
+    <dgm:style>
+      <a:lnRef idx="2">
+        <a:scrgbClr r="0" g="0" b="0"/>
+      </a:lnRef>
+      <a:fillRef idx="1">
+        <a:scrgbClr r="0" g="0" b="0"/>
+      </a:fillRef>
+      <a:effectRef idx="0">
+        <a:scrgbClr r="0" g="0" b="0"/>
+      </a:effectRef>
+      <a:fontRef idx="minor">
+        <a:schemeClr val="lt1"/>
+      </a:fontRef>
+    </dgm:style>
+  </dgm:styleLbl>
+  <dgm:styleLbl name="parChTrans2D1">
+    <dgm:scene3d>
+      <a:camera prst="orthographicFront"/>
+      <a:lightRig rig="threePt" dir="t"/>
+    </dgm:scene3d>
+    <dgm:sp3d/>
+    <dgm:txPr/>
+    <dgm:style>
+      <a:lnRef idx="2">
+        <a:scrgbClr r="0" g="0" b="0"/>
+      </a:lnRef>
+      <a:fillRef idx="1">
+        <a:scrgbClr r="0" g="0" b="0"/>
+      </a:fillRef>
+      <a:effectRef idx="0">
+        <a:scrgbClr r="0" g="0" b="0"/>
+      </a:effectRef>
+      <a:fontRef idx="minor">
+        <a:schemeClr val="lt1"/>
+      </a:fontRef>
+    </dgm:style>
+  </dgm:styleLbl>
+  <dgm:styleLbl name="parChTrans2D2">
+    <dgm:scene3d>
+      <a:camera prst="orthographicFront"/>
+      <a:lightRig rig="threePt" dir="t"/>
+    </dgm:scene3d>
+    <dgm:sp3d/>
+    <dgm:txPr/>
+    <dgm:style>
+      <a:lnRef idx="2">
+        <a:scrgbClr r="0" g="0" b="0"/>
+      </a:lnRef>
+      <a:fillRef idx="1">
+        <a:scrgbClr r="0" g="0" b="0"/>
+      </a:fillRef>
+      <a:effectRef idx="0">
+        <a:scrgbClr r="0" g="0" b="0"/>
+      </a:effectRef>
+      <a:fontRef idx="minor">
+        <a:schemeClr val="lt1"/>
+      </a:fontRef>
+    </dgm:style>
+  </dgm:styleLbl>
+  <dgm:styleLbl name="parChTrans2D3">
+    <dgm:scene3d>
+      <a:camera prst="orthographicFront"/>
+      <a:lightRig rig="threePt" dir="t"/>
+    </dgm:scene3d>
+    <dgm:sp3d/>
+    <dgm:txPr/>
+    <dgm:style>
+      <a:lnRef idx="2">
+        <a:scrgbClr r="0" g="0" b="0"/>
+      </a:lnRef>
+      <a:fillRef idx="1">
+        <a:scrgbClr r="0" g="0" b="0"/>
+      </a:fillRef>
+      <a:effectRef idx="0">
+        <a:scrgbClr r="0" g="0" b="0"/>
+      </a:effectRef>
+      <a:fontRef idx="minor">
+        <a:schemeClr val="lt1"/>
+      </a:fontRef>
+    </dgm:style>
+  </dgm:styleLbl>
+  <dgm:styleLbl name="parChTrans2D4">
+    <dgm:scene3d>
+      <a:camera prst="orthographicFront"/>
+      <a:lightRig rig="threePt" dir="t"/>
+    </dgm:scene3d>
+    <dgm:sp3d/>
+    <dgm:txPr/>
+    <dgm:style>
+      <a:lnRef idx="2">
+        <a:scrgbClr r="0" g="0" b="0"/>
+      </a:lnRef>
+      <a:fillRef idx="1">
+        <a:scrgbClr r="0" g="0" b="0"/>
+      </a:fillRef>
+      <a:effectRef idx="0">
+        <a:scrgbClr r="0" g="0" b="0"/>
+      </a:effectRef>
+      <a:fontRef idx="minor">
+        <a:schemeClr val="lt1"/>
+      </a:fontRef>
+    </dgm:style>
+  </dgm:styleLbl>
+  <dgm:styleLbl name="parChTrans1D1">
+    <dgm:scene3d>
+      <a:camera prst="orthographicFront"/>
+      <a:lightRig rig="threePt" dir="t"/>
+    </dgm:scene3d>
+    <dgm:sp3d/>
+    <dgm:txPr/>
+    <dgm:style>
+      <a:lnRef idx="2">
+        <a:scrgbClr r="0" g="0" b="0"/>
+      </a:lnRef>
+      <a:fillRef idx="0">
+        <a:scrgbClr r="0" g="0" b="0"/>
+      </a:fillRef>
+      <a:effectRef idx="0">
+        <a:scrgbClr r="0" g="0" b="0"/>
+      </a:effectRef>
+      <a:fontRef idx="minor"/>
+    </dgm:style>
+  </dgm:styleLbl>
+  <dgm:styleLbl name="parChTrans1D2">
+    <dgm:scene3d>
+      <a:camera prst="orthographicFront"/>
+      <a:lightRig rig="threePt" dir="t"/>
+    </dgm:scene3d>
+    <dgm:sp3d/>
+    <dgm:txPr/>
+    <dgm:style>
+      <a:lnRef idx="2">
+        <a:scrgbClr r="0" g="0" b="0"/>
+      </a:lnRef>
+      <a:fillRef idx="0">
+        <a:scrgbClr r="0" g="0" b="0"/>
+      </a:fillRef>
+      <a:effectRef idx="0">
+        <a:scrgbClr r="0" g="0" b="0"/>
+      </a:effectRef>
+      <a:fontRef idx="minor"/>
+    </dgm:style>
+  </dgm:styleLbl>
+  <dgm:styleLbl name="parChTrans1D3">
+    <dgm:scene3d>
+      <a:camera prst="orthographicFront"/>
+      <a:lightRig rig="threePt" dir="t"/>
+    </dgm:scene3d>
+    <dgm:sp3d/>
+    <dgm:txPr/>
+    <dgm:style>
+      <a:lnRef idx="2">
+        <a:scrgbClr r="0" g="0" b="0"/>
+      </a:lnRef>
+      <a:fillRef idx="0">
+        <a:scrgbClr r="0" g="0" b="0"/>
+      </a:fillRef>
+      <a:effectRef idx="0">
+        <a:scrgbClr r="0" g="0" b="0"/>
+      </a:effectRef>
+      <a:fontRef idx="minor"/>
+    </dgm:style>
+  </dgm:styleLbl>
+  <dgm:styleLbl name="parChTrans1D4">
+    <dgm:scene3d>
+      <a:camera prst="orthographicFront"/>
+      <a:lightRig rig="threePt" dir="t"/>
+    </dgm:scene3d>
+    <dgm:sp3d/>
+    <dgm:txPr/>
+    <dgm:style>
+      <a:lnRef idx="2">
+        <a:scrgbClr r="0" g="0" b="0"/>
+      </a:lnRef>
+      <a:fillRef idx="0">
+        <a:scrgbClr r="0" g="0" b="0"/>
+      </a:fillRef>
+      <a:effectRef idx="0">
+        <a:scrgbClr r="0" g="0" b="0"/>
+      </a:effectRef>
+      <a:fontRef idx="minor"/>
+    </dgm:style>
+  </dgm:styleLbl>
+  <dgm:styleLbl name="fgAcc1">
+    <dgm:scene3d>
+      <a:camera prst="orthographicFront"/>
+      <a:lightRig rig="threePt" dir="t"/>
+    </dgm:scene3d>
+    <dgm:sp3d/>
+    <dgm:txPr/>
+    <dgm:style>
+      <a:lnRef idx="2">
+        <a:scrgbClr r="0" g="0" b="0"/>
+      </a:lnRef>
+      <a:fillRef idx="1">
+        <a:scrgbClr r="0" g="0" b="0"/>
+      </a:fillRef>
+      <a:effectRef idx="0">
+        <a:scrgbClr r="0" g="0" b="0"/>
+      </a:effectRef>
+      <a:fontRef idx="minor"/>
+    </dgm:style>
+  </dgm:styleLbl>
+  <dgm:styleLbl name="conFgAcc1">
+    <dgm:scene3d>
+      <a:camera prst="orthographicFront"/>
+      <a:lightRig rig="threePt" dir="t"/>
+    </dgm:scene3d>
+    <dgm:sp3d/>
+    <dgm:txPr/>
+    <dgm:style>
+      <a:lnRef idx="2">
+        <a:scrgbClr r="0" g="0" b="0"/>
+      </a:lnRef>
+      <a:fillRef idx="1">
+        <a:scrgbClr r="0" g="0" b="0"/>
+      </a:fillRef>
+      <a:effectRef idx="0">
+        <a:scrgbClr r="0" g="0" b="0"/>
+      </a:effectRef>
+      <a:fontRef idx="minor"/>
+    </dgm:style>
+  </dgm:styleLbl>
+  <dgm:styleLbl name="alignAcc1">
+    <dgm:scene3d>
+      <a:camera prst="orthographicFront"/>
+      <a:lightRig rig="threePt" dir="t"/>
+    </dgm:scene3d>
+    <dgm:sp3d/>
+    <dgm:txPr/>
+    <dgm:style>
+      <a:lnRef idx="2">
+        <a:scrgbClr r="0" g="0" b="0"/>
+      </a:lnRef>
+      <a:fillRef idx="1">
+        <a:scrgbClr r="0" g="0" b="0"/>
+      </a:fillRef>
+      <a:effectRef idx="0">
+        <a:scrgbClr r="0" g="0" b="0"/>
+      </a:effectRef>
+      <a:fontRef idx="minor"/>
+    </dgm:style>
+  </dgm:styleLbl>
+  <dgm:styleLbl name="trAlignAcc1">
+    <dgm:scene3d>
+      <a:camera prst="orthographicFront"/>
+      <a:lightRig rig="threePt" dir="t"/>
+    </dgm:scene3d>
+    <dgm:sp3d/>
+    <dgm:txPr/>
+    <dgm:style>
+      <a:lnRef idx="1">
+        <a:scrgbClr r="0" g="0" b="0"/>
+      </a:lnRef>
+      <a:fillRef idx="1">
+        <a:scrgbClr r="0" g="0" b="0"/>
+      </a:fillRef>
+      <a:effectRef idx="0">
+        <a:scrgbClr r="0" g="0" b="0"/>
+      </a:effectRef>
+      <a:fontRef idx="minor"/>
+    </dgm:style>
+  </dgm:styleLbl>
+  <dgm:styleLbl name="bgAcc1">
+    <dgm:scene3d>
+      <a:camera prst="orthographicFront"/>
+      <a:lightRig rig="threePt" dir="t"/>
+    </dgm:scene3d>
+    <dgm:sp3d/>
+    <dgm:txPr/>
+    <dgm:style>
+      <a:lnRef idx="2">
+        <a:scrgbClr r="0" g="0" b="0"/>
+      </a:lnRef>
+      <a:fillRef idx="1">
+        <a:scrgbClr r="0" g="0" b="0"/>
+      </a:fillRef>
+      <a:effectRef idx="0">
+        <a:scrgbClr r="0" g="0" b="0"/>
+      </a:effectRef>
+      <a:fontRef idx="minor"/>
+    </dgm:style>
+  </dgm:styleLbl>
+  <dgm:styleLbl name="solidFgAcc1">
+    <dgm:scene3d>
+      <a:camera prst="orthographicFront"/>
+      <a:lightRig rig="threePt" dir="t"/>
+    </dgm:scene3d>
+    <dgm:sp3d/>
+    <dgm:txPr/>
+    <dgm:style>
+      <a:lnRef idx="2">
+        <a:scrgbClr r="0" g="0" b="0"/>
+      </a:lnRef>
+      <a:fillRef idx="1">
+        <a:scrgbClr r="0" g="0" b="0"/>
+      </a:fillRef>
+      <a:effectRef idx="0">
+        <a:scrgbClr r="0" g="0" b="0"/>
+      </a:effectRef>
+      <a:fontRef idx="minor"/>
+    </dgm:style>
+  </dgm:styleLbl>
+  <dgm:styleLbl name="solidAlignAcc1">
+    <dgm:scene3d>
+      <a:camera prst="orthographicFront"/>
+      <a:lightRig rig="threePt" dir="t"/>
+    </dgm:scene3d>
+    <dgm:sp3d/>
+    <dgm:txPr/>
+    <dgm:style>
+      <a:lnRef idx="2">
+        <a:scrgbClr r="0" g="0" b="0"/>
+      </a:lnRef>
+      <a:fillRef idx="1">
+        <a:scrgbClr r="0" g="0" b="0"/>
+      </a:fillRef>
+      <a:effectRef idx="0">
+        <a:scrgbClr r="0" g="0" b="0"/>
+      </a:effectRef>
+      <a:fontRef idx="minor"/>
+    </dgm:style>
+  </dgm:styleLbl>
+  <dgm:styleLbl name="solidBgAcc1">
+    <dgm:scene3d>
+      <a:camera prst="orthographicFront"/>
+      <a:lightRig rig="threePt" dir="t"/>
+    </dgm:scene3d>
+    <dgm:sp3d/>
+    <dgm:txPr/>
+    <dgm:style>
+      <a:lnRef idx="2">
+        <a:scrgbClr r="0" g="0" b="0"/>
+      </a:lnRef>
+      <a:fillRef idx="1">
+        <a:scrgbClr r="0" g="0" b="0"/>
+      </a:fillRef>
+      <a:effectRef idx="0">
+        <a:scrgbClr r="0" g="0" b="0"/>
+      </a:effectRef>
+      <a:fontRef idx="minor"/>
+    </dgm:style>
+  </dgm:styleLbl>
+  <dgm:styleLbl name="fgAccFollowNode1">
+    <dgm:scene3d>
+      <a:camera prst="orthographicFront"/>
+      <a:lightRig rig="threePt" dir="t"/>
+    </dgm:scene3d>
+    <dgm:sp3d/>
+    <dgm:txPr/>
+    <dgm:style>
+      <a:lnRef idx="2">
+        <a:scrgbClr r="0" g="0" b="0"/>
+      </a:lnRef>
+      <a:fillRef idx="1">
+        <a:scrgbClr r="0" g="0" b="0"/>
+      </a:fillRef>
+      <a:effectRef idx="0">
+        <a:scrgbClr r="0" g="0" b="0"/>
+      </a:effectRef>
+      <a:fontRef idx="minor"/>
+    </dgm:style>
+  </dgm:styleLbl>
+  <dgm:styleLbl name="alignAccFollowNode1">
+    <dgm:scene3d>
+      <a:camera prst="orthographicFront"/>
+      <a:lightRig rig="threePt" dir="t"/>
+    </dgm:scene3d>
+    <dgm:sp3d/>
+    <dgm:txPr/>
+    <dgm:style>
+      <a:lnRef idx="2">
+        <a:scrgbClr r="0" g="0" b="0"/>
+      </a:lnRef>
+      <a:fillRef idx="1">
+        <a:scrgbClr r="0" g="0" b="0"/>
+      </a:fillRef>
+      <a:effectRef idx="0">
+        <a:scrgbClr r="0" g="0" b="0"/>
+      </a:effectRef>
+      <a:fontRef idx="minor"/>
+    </dgm:style>
+  </dgm:styleLbl>
+  <dgm:styleLbl name="bgAccFollowNode1">
+    <dgm:scene3d>
+      <a:camera prst="orthographicFront"/>
+      <a:lightRig rig="threePt" dir="t"/>
+    </dgm:scene3d>
+    <dgm:sp3d/>
+    <dgm:txPr/>
+    <dgm:style>
+      <a:lnRef idx="2">
+        <a:scrgbClr r="0" g="0" b="0"/>
+      </a:lnRef>
+      <a:fillRef idx="1">
+        <a:scrgbClr r="0" g="0" b="0"/>
+      </a:fillRef>
+      <a:effectRef idx="0">
+        <a:scrgbClr r="0" g="0" b="0"/>
+      </a:effectRef>
+      <a:fontRef idx="minor"/>
+    </dgm:style>
+  </dgm:styleLbl>
+  <dgm:styleLbl name="fgAcc0">
+    <dgm:scene3d>
+      <a:camera prst="orthographicFront"/>
+      <a:lightRig rig="threePt" dir="t"/>
+    </dgm:scene3d>
+    <dgm:sp3d/>
+    <dgm:txPr/>
+    <dgm:style>
+      <a:lnRef idx="2">
+        <a:scrgbClr r="0" g="0" b="0"/>
+      </a:lnRef>
+      <a:fillRef idx="1">
+        <a:scrgbClr r="0" g="0" b="0"/>
+      </a:fillRef>
+      <a:effectRef idx="0">
+        <a:scrgbClr r="0" g="0" b="0"/>
+      </a:effectRef>
+      <a:fontRef idx="minor"/>
+    </dgm:style>
+  </dgm:styleLbl>
+  <dgm:styleLbl name="fgAcc2">
+    <dgm:scene3d>
+      <a:camera prst="orthographicFront"/>
+      <a:lightRig rig="threePt" dir="t"/>
+    </dgm:scene3d>
+    <dgm:sp3d/>
+    <dgm:txPr/>
+    <dgm:style>
+      <a:lnRef idx="2">
+        <a:scrgbClr r="0" g="0" b="0"/>
+      </a:lnRef>
+      <a:fillRef idx="1">
+        <a:scrgbClr r="0" g="0" b="0"/>
+      </a:fillRef>
+      <a:effectRef idx="0">
+        <a:scrgbClr r="0" g="0" b="0"/>
+      </a:effectRef>
+      <a:fontRef idx="minor"/>
+    </dgm:style>
+  </dgm:styleLbl>
+  <dgm:styleLbl name="fgAcc3">
+    <dgm:scene3d>
+      <a:camera prst="orthographicFront"/>
+      <a:lightRig rig="threePt" dir="t"/>
+    </dgm:scene3d>
+    <dgm:sp3d/>
+    <dgm:txPr/>
+    <dgm:style>
+      <a:lnRef idx="2">
+        <a:scrgbClr r="0" g="0" b="0"/>
+      </a:lnRef>
+      <a:fillRef idx="1">
+        <a:scrgbClr r="0" g="0" b="0"/>
+      </a:fillRef>
+      <a:effectRef idx="0">
+        <a:scrgbClr r="0" g="0" b="0"/>
+      </a:effectRef>
+      <a:fontRef idx="minor"/>
+    </dgm:style>
+  </dgm:styleLbl>
+  <dgm:styleLbl name="fgAcc4">
+    <dgm:scene3d>
+      <a:camera prst="orthographicFront"/>
+      <a:lightRig rig="threePt" dir="t"/>
+    </dgm:scene3d>
+    <dgm:sp3d/>
+    <dgm:txPr/>
+    <dgm:style>
+      <a:lnRef idx="2">
+        <a:scrgbClr r="0" g="0" b="0"/>
+      </a:lnRef>
+      <a:fillRef idx="1">
+        <a:scrgbClr r="0" g="0" b="0"/>
+      </a:fillRef>
+      <a:effectRef idx="0">
+        <a:scrgbClr r="0" g="0" b="0"/>
+      </a:effectRef>
+      <a:fontRef idx="minor"/>
+    </dgm:style>
+  </dgm:styleLbl>
+  <dgm:styleLbl name="bgShp">
+    <dgm:scene3d>
+      <a:camera prst="orthographicFront"/>
+      <a:lightRig rig="threePt" dir="t"/>
+    </dgm:scene3d>
+    <dgm:sp3d/>
+    <dgm:txPr/>
+    <dgm:style>
+      <a:lnRef idx="0">
+        <a:scrgbClr r="0" g="0" b="0"/>
+      </a:lnRef>
+      <a:fillRef idx="1">
+        <a:scrgbClr r="0" g="0" b="0"/>
+      </a:fillRef>
+      <a:effectRef idx="0">
+        <a:scrgbClr r="0" g="0" b="0"/>
+      </a:effectRef>
+      <a:fontRef idx="minor"/>
+    </dgm:style>
+  </dgm:styleLbl>
+  <dgm:styleLbl name="dkBgShp">
+    <dgm:scene3d>
+      <a:camera prst="orthographicFront"/>
+      <a:lightRig rig="threePt" dir="t"/>
+    </dgm:scene3d>
+    <dgm:sp3d/>
+    <dgm:txPr/>
+    <dgm:style>
+      <a:lnRef idx="0">
+        <a:scrgbClr r="0" g="0" b="0"/>
+      </a:lnRef>
+      <a:fillRef idx="1">
+        <a:scrgbClr r="0" g="0" b="0"/>
+      </a:fillRef>
+      <a:effectRef idx="0">
+        <a:scrgbClr r="0" g="0" b="0"/>
+      </a:effectRef>
+      <a:fontRef idx="minor"/>
+    </dgm:style>
+  </dgm:styleLbl>
+  <dgm:styleLbl name="trBgShp">
+    <dgm:scene3d>
+      <a:camera prst="orthographicFront"/>
+      <a:lightRig rig="threePt" dir="t"/>
+    </dgm:scene3d>
+    <dgm:sp3d/>
+    <dgm:txPr/>
+    <dgm:style>
+      <a:lnRef idx="0">
+        <a:scrgbClr r="0" g="0" b="0"/>
+      </a:lnRef>
+      <a:fillRef idx="1">
+        <a:scrgbClr r="0" g="0" b="0"/>
+      </a:fillRef>
+      <a:effectRef idx="0">
+        <a:scrgbClr r="0" g="0" b="0"/>
+      </a:effectRef>
+      <a:fontRef idx="minor"/>
+    </dgm:style>
+  </dgm:styleLbl>
+  <dgm:styleLbl name="fgShp">
+    <dgm:scene3d>
+      <a:camera prst="orthographicFront"/>
+      <a:lightRig rig="threePt" dir="t"/>
+    </dgm:scene3d>
+    <dgm:sp3d/>
+    <dgm:txPr/>
+    <dgm:style>
+      <a:lnRef idx="2">
+        <a:scrgbClr r="0" g="0" b="0"/>
+      </a:lnRef>
+      <a:fillRef idx="1">
+        <a:scrgbClr r="0" g="0" b="0"/>
+      </a:fillRef>
+      <a:effectRef idx="0">
+        <a:scrgbClr r="0" g="0" b="0"/>
+      </a:effectRef>
+      <a:fontRef idx="minor"/>
+    </dgm:style>
+  </dgm:styleLbl>
+  <dgm:styleLbl name="revTx">
+    <dgm:scene3d>
+      <a:camera prst="orthographicFront"/>
+      <a:lightRig rig="threePt" dir="t"/>
+    </dgm:scene3d>
+    <dgm:sp3d/>
+    <dgm:txPr/>
+    <dgm:style>
+      <a:lnRef idx="0">
+        <a:scrgbClr r="0" g="0" b="0"/>
+      </a:lnRef>
+      <a:fillRef idx="0">
+        <a:scrgbClr r="0" g="0" b="0"/>
+      </a:fillRef>
+      <a:effectRef idx="0">
+        <a:scrgbClr r="0" g="0" b="0"/>
+      </a:effectRef>
+      <a:fontRef idx="minor"/>
+    </dgm:style>
+  </dgm:styleLbl>
+</dgm:styleDef>
 </file>
 
 <file path=ppt/slideLayouts/slideLayout1.xml><?xml version="1.0" encoding="utf-8"?>
@@ -249,7 +2875,7 @@
           <a:p>
             <a:fld id="{FEC78B8E-DD32-4C3E-A3B6-DAE91E3D2481}" type="datetimeFigureOut">
               <a:rPr lang="en-US" smtClean="0"/>
-              <a:t>4/1/2022</a:t>
+              <a:t>4/2/2022</a:t>
             </a:fld>
             <a:endParaRPr lang="en-US"/>
           </a:p>
@@ -460,7 +3086,7 @@
           <a:p>
             <a:fld id="{FEC78B8E-DD32-4C3E-A3B6-DAE91E3D2481}" type="datetimeFigureOut">
               <a:rPr lang="en-US" smtClean="0"/>
-              <a:t>4/1/2022</a:t>
+              <a:t>4/2/2022</a:t>
             </a:fld>
             <a:endParaRPr lang="en-US"/>
           </a:p>
@@ -675,7 +3301,7 @@
           <a:p>
             <a:fld id="{FEC78B8E-DD32-4C3E-A3B6-DAE91E3D2481}" type="datetimeFigureOut">
               <a:rPr lang="en-US" smtClean="0"/>
-              <a:t>4/1/2022</a:t>
+              <a:t>4/2/2022</a:t>
             </a:fld>
             <a:endParaRPr lang="en-US"/>
           </a:p>
@@ -876,7 +3502,7 @@
           <a:p>
             <a:fld id="{FEC78B8E-DD32-4C3E-A3B6-DAE91E3D2481}" type="datetimeFigureOut">
               <a:rPr lang="en-US" smtClean="0"/>
-              <a:t>4/1/2022</a:t>
+              <a:t>4/2/2022</a:t>
             </a:fld>
             <a:endParaRPr lang="en-US"/>
           </a:p>
@@ -1155,7 +3781,7 @@
           <a:p>
             <a:fld id="{FEC78B8E-DD32-4C3E-A3B6-DAE91E3D2481}" type="datetimeFigureOut">
               <a:rPr lang="en-US" smtClean="0"/>
-              <a:t>4/1/2022</a:t>
+              <a:t>4/2/2022</a:t>
             </a:fld>
             <a:endParaRPr lang="en-US"/>
           </a:p>
@@ -1423,7 +4049,7 @@
           <a:p>
             <a:fld id="{FEC78B8E-DD32-4C3E-A3B6-DAE91E3D2481}" type="datetimeFigureOut">
               <a:rPr lang="en-US" smtClean="0"/>
-              <a:t>4/1/2022</a:t>
+              <a:t>4/2/2022</a:t>
             </a:fld>
             <a:endParaRPr lang="en-US"/>
           </a:p>
@@ -1839,7 +4465,7 @@
           <a:p>
             <a:fld id="{FEC78B8E-DD32-4C3E-A3B6-DAE91E3D2481}" type="datetimeFigureOut">
               <a:rPr lang="en-US" smtClean="0"/>
-              <a:t>4/1/2022</a:t>
+              <a:t>4/2/2022</a:t>
             </a:fld>
             <a:endParaRPr lang="en-US"/>
           </a:p>
@@ -1988,7 +4614,7 @@
           <a:p>
             <a:fld id="{FEC78B8E-DD32-4C3E-A3B6-DAE91E3D2481}" type="datetimeFigureOut">
               <a:rPr lang="en-US" smtClean="0"/>
-              <a:t>4/1/2022</a:t>
+              <a:t>4/2/2022</a:t>
             </a:fld>
             <a:endParaRPr lang="en-US"/>
           </a:p>
@@ -2114,7 +4740,7 @@
           <a:p>
             <a:fld id="{FEC78B8E-DD32-4C3E-A3B6-DAE91E3D2481}" type="datetimeFigureOut">
               <a:rPr lang="en-US" smtClean="0"/>
-              <a:t>4/1/2022</a:t>
+              <a:t>4/2/2022</a:t>
             </a:fld>
             <a:endParaRPr lang="en-US"/>
           </a:p>
@@ -2365,7 +4991,7 @@
           <a:p>
             <a:fld id="{FEC78B8E-DD32-4C3E-A3B6-DAE91E3D2481}" type="datetimeFigureOut">
               <a:rPr lang="en-US" smtClean="0"/>
-              <a:t>4/1/2022</a:t>
+              <a:t>4/2/2022</a:t>
             </a:fld>
             <a:endParaRPr lang="en-US"/>
           </a:p>
@@ -2810,7 +5436,7 @@
           <a:p>
             <a:fld id="{FEC78B8E-DD32-4C3E-A3B6-DAE91E3D2481}" type="datetimeFigureOut">
               <a:rPr lang="en-US" smtClean="0"/>
-              <a:t>4/1/2022</a:t>
+              <a:t>4/2/2022</a:t>
             </a:fld>
             <a:endParaRPr lang="en-US"/>
           </a:p>
@@ -3137,7 +5763,7 @@
           <a:p>
             <a:fld id="{FEC78B8E-DD32-4C3E-A3B6-DAE91E3D2481}" type="datetimeFigureOut">
               <a:rPr lang="en-US" smtClean="0"/>
-              <a:t>4/1/2022</a:t>
+              <a:t>4/2/2022</a:t>
             </a:fld>
             <a:endParaRPr lang="en-US"/>
           </a:p>
@@ -3847,20 +6473,20 @@
         <a:gradFill rotWithShape="1">
           <a:gsLst>
             <a:gs pos="0">
-              <a:schemeClr val="bg1">
+              <a:schemeClr val="bg2">
                 <a:tint val="94000"/>
                 <a:satMod val="80000"/>
                 <a:lumMod val="106000"/>
               </a:schemeClr>
             </a:gs>
             <a:gs pos="100000">
-              <a:schemeClr val="bg1">
+              <a:schemeClr val="bg2">
                 <a:shade val="80000"/>
               </a:schemeClr>
             </a:gs>
           </a:gsLst>
           <a:path path="circle">
-            <a:fillToRect l="50000" t="50000" r="50000" b="50000"/>
+            <a:fillToRect l="43000" r="43000" b="100000"/>
           </a:path>
         </a:gradFill>
         <a:effectLst/>
@@ -3882,10 +6508,10 @@
       </p:grpSpPr>
       <p:sp useBgFill="1">
         <p:nvSpPr>
-          <p:cNvPr id="8" name="Rectangle 7">
+          <p:cNvPr id="20" name="Rectangle 19">
             <a:extLst>
               <a:ext uri="{FF2B5EF4-FFF2-40B4-BE49-F238E27FC236}">
-                <a16:creationId xmlns:a16="http://schemas.microsoft.com/office/drawing/2014/main" id="{54F891EB-ED45-44C3-95D6-FFB2EC07FA10}"/>
+                <a16:creationId xmlns:a16="http://schemas.microsoft.com/office/drawing/2014/main" id="{32D32A60-013B-47A8-8833-D2424080917B}"/>
               </a:ext>
               <a:ext uri="{C183D7F6-B498-43B3-948B-1728B52AA6E4}">
                 <adec:decorative xmlns:adec="http://schemas.microsoft.com/office/drawing/2017/decorative" val="1"/>
@@ -3905,7 +6531,7 @@
         </p:nvSpPr>
         <p:spPr>
           <a:xfrm>
-            <a:off x="303" y="0"/>
+            <a:off x="2" y="0"/>
             <a:ext cx="12191695" cy="6858000"/>
           </a:xfrm>
           <a:prstGeom prst="rect">
@@ -3942,10 +6568,10 @@
       </p:sp>
       <p:sp>
         <p:nvSpPr>
-          <p:cNvPr id="10" name="Rectangle 9">
+          <p:cNvPr id="22" name="Rectangle 21">
             <a:extLst>
               <a:ext uri="{FF2B5EF4-FFF2-40B4-BE49-F238E27FC236}">
-                <a16:creationId xmlns:a16="http://schemas.microsoft.com/office/drawing/2014/main" id="{2EA385B8-7C85-4CE0-AE3A-00EB627B3443}"/>
+                <a16:creationId xmlns:a16="http://schemas.microsoft.com/office/drawing/2014/main" id="{AE27932B-B694-4C4C-90D7-A0333A7C5876}"/>
               </a:ext>
               <a:ext uri="{C183D7F6-B498-43B3-948B-1728B52AA6E4}">
                 <adec:decorative xmlns:adec="http://schemas.microsoft.com/office/drawing/2017/decorative" val="1"/>
@@ -4032,12 +6658,12 @@
         </p:nvSpPr>
         <p:spPr>
           <a:xfrm>
-            <a:off x="812205" y="804519"/>
-            <a:ext cx="3241820" cy="4431360"/>
+            <a:off x="1451579" y="2303047"/>
+            <a:ext cx="3272093" cy="2674198"/>
           </a:xfrm>
         </p:spPr>
         <p:txBody>
-          <a:bodyPr anchor="ctr">
+          <a:bodyPr anchor="t">
             <a:normAutofit/>
           </a:bodyPr>
           <a:lstStyle/>
@@ -4051,10 +6677,10 @@
       </p:sp>
       <p:cxnSp>
         <p:nvCxnSpPr>
-          <p:cNvPr id="12" name="Straight Connector 11">
+          <p:cNvPr id="24" name="Straight Connector 23">
             <a:extLst>
               <a:ext uri="{FF2B5EF4-FFF2-40B4-BE49-F238E27FC236}">
-                <a16:creationId xmlns:a16="http://schemas.microsoft.com/office/drawing/2014/main" id="{19AF263B-E208-40DF-A182-5193478DCFA4}"/>
+                <a16:creationId xmlns:a16="http://schemas.microsoft.com/office/drawing/2014/main" id="{9EBB0476-5CF0-4F44-8D68-5D42D7AEE43A}"/>
               </a:ext>
               <a:ext uri="{C183D7F6-B498-43B3-948B-1728B52AA6E4}">
                 <adec:decorative xmlns:adec="http://schemas.microsoft.com/office/drawing/2017/decorative" val="1"/>
@@ -4074,26 +6700,22 @@
         </p:nvCxnSpPr>
         <p:spPr>
           <a:xfrm>
-            <a:off x="4345156" y="890353"/>
-            <a:ext cx="0" cy="4572000"/>
+            <a:off x="1451579" y="2146542"/>
+            <a:ext cx="3272094" cy="0"/>
           </a:xfrm>
           <a:prstGeom prst="line">
             <a:avLst/>
           </a:prstGeom>
-          <a:ln w="31750">
-            <a:solidFill>
-              <a:schemeClr val="accent1"/>
-            </a:solidFill>
-          </a:ln>
+          <a:ln w="31750"/>
         </p:spPr>
         <p:style>
-          <a:lnRef idx="1">
+          <a:lnRef idx="3">
             <a:schemeClr val="accent1"/>
           </a:lnRef>
           <a:fillRef idx="0">
             <a:schemeClr val="accent1"/>
           </a:fillRef>
-          <a:effectRef idx="0">
+          <a:effectRef idx="2">
             <a:schemeClr val="accent1"/>
           </a:effectRef>
           <a:fontRef idx="minor">
@@ -4103,57 +6725,71 @@
       </p:cxnSp>
       <p:sp>
         <p:nvSpPr>
-          <p:cNvPr id="3" name="Content Placeholder 2">
+          <p:cNvPr id="26" name="Title 1">
             <a:extLst>
               <a:ext uri="{FF2B5EF4-FFF2-40B4-BE49-F238E27FC236}">
-                <a16:creationId xmlns:a16="http://schemas.microsoft.com/office/drawing/2014/main" id="{B4DA4972-1A47-4401-BC9A-0C8CA60F18A2}"/>
+                <a16:creationId xmlns:a16="http://schemas.microsoft.com/office/drawing/2014/main" id="{A9DA474E-6B91-4200-840F-0257B2358A75}"/>
+              </a:ext>
+              <a:ext uri="{C183D7F6-B498-43B3-948B-1728B52AA6E4}">
+                <adec:decorative xmlns:adec="http://schemas.microsoft.com/office/drawing/2017/decorative" val="1"/>
               </a:ext>
             </a:extLst>
           </p:cNvPr>
-          <p:cNvSpPr>
-            <a:spLocks noGrp="1"/>
+          <p:cNvSpPr txBox="1">
+            <a:spLocks noGrp="1" noRot="1" noChangeAspect="1" noMove="1" noResize="1" noEditPoints="1" noAdjustHandles="1" noChangeArrowheads="1" noChangeShapeType="1" noTextEdit="1"/>
           </p:cNvSpPr>
           <p:nvPr>
-            <p:ph idx="1"/>
+            <p:extLst>
+              <p:ext uri="{386F3935-93C4-4BCD-93E2-E3B085C9AB24}">
+                <p16:designElem xmlns:p16="http://schemas.microsoft.com/office/powerpoint/2015/main" val="1"/>
+              </p:ext>
+            </p:extLst>
           </p:nvPr>
         </p:nvSpPr>
         <p:spPr>
           <a:xfrm>
-            <a:off x="4637863" y="804520"/>
-            <a:ext cx="6102559" cy="4431359"/>
+            <a:off x="1451580" y="3122496"/>
+            <a:ext cx="3530157" cy="1049235"/>
           </a:xfrm>
+          <a:prstGeom prst="rect">
+            <a:avLst/>
+          </a:prstGeom>
         </p:spPr>
         <p:txBody>
-          <a:bodyPr anchor="ctr">
+          <a:bodyPr vert="horz" lIns="91440" tIns="45720" rIns="91440" bIns="45720" rtlCol="0" anchor="t">
             <a:normAutofit/>
           </a:bodyPr>
-          <a:lstStyle/>
-          <a:p>
-            <a:r>
-              <a:rPr lang="en-US" dirty="0"/>
-              <a:t>Sell Collected Information.</a:t>
-            </a:r>
-          </a:p>
-          <a:p>
-            <a:r>
-              <a:rPr lang="en-US" dirty="0"/>
-              <a:t>Steal Information.</a:t>
-            </a:r>
-          </a:p>
-          <a:p>
-            <a:r>
-              <a:rPr lang="en-US" dirty="0"/>
-              <a:t>Machine Learning projects.</a:t>
-            </a:r>
+          <a:lstStyle>
+            <a:lvl1pPr algn="l" defTabSz="914400" rtl="0" eaLnBrk="1" latinLnBrk="0" hangingPunct="1">
+              <a:lnSpc>
+                <a:spcPct val="90000"/>
+              </a:lnSpc>
+              <a:spcBef>
+                <a:spcPct val="0"/>
+              </a:spcBef>
+              <a:buNone/>
+              <a:defRPr sz="3200" b="0" i="0" kern="1200" cap="all">
+                <a:solidFill>
+                  <a:schemeClr val="tx1"/>
+                </a:solidFill>
+                <a:effectLst/>
+                <a:latin typeface="+mj-lt"/>
+                <a:ea typeface="+mj-ea"/>
+                <a:cs typeface="+mj-cs"/>
+              </a:defRPr>
+            </a:lvl1pPr>
+          </a:lstStyle>
+          <a:p>
+            <a:endParaRPr lang="en-US" dirty="0"/>
           </a:p>
         </p:txBody>
       </p:sp>
       <p:pic>
         <p:nvPicPr>
-          <p:cNvPr id="14" name="Picture 13">
+          <p:cNvPr id="28" name="Picture 27">
             <a:extLst>
               <a:ext uri="{FF2B5EF4-FFF2-40B4-BE49-F238E27FC236}">
-                <a16:creationId xmlns:a16="http://schemas.microsoft.com/office/drawing/2014/main" id="{DCC0100C-A457-45B1-8A8B-8740F43EC158}"/>
+                <a16:creationId xmlns:a16="http://schemas.microsoft.com/office/drawing/2014/main" id="{DF63C9AD-AE6E-4512-8171-91612E84CCFB}"/>
               </a:ext>
               <a:ext uri="{C183D7F6-B498-43B3-948B-1728B52AA6E4}">
                 <adec:decorative xmlns:adec="http://schemas.microsoft.com/office/drawing/2017/decorative" val="1"/>
@@ -4192,6 +6828,91 @@
           </a:prstGeom>
         </p:spPr>
       </p:pic>
+      <p:cxnSp>
+        <p:nvCxnSpPr>
+          <p:cNvPr id="30" name="Straight Connector 29">
+            <a:extLst>
+              <a:ext uri="{FF2B5EF4-FFF2-40B4-BE49-F238E27FC236}">
+                <a16:creationId xmlns:a16="http://schemas.microsoft.com/office/drawing/2014/main" id="{FE1A49CE-B63D-457A-A180-1C883E1A63D2}"/>
+              </a:ext>
+              <a:ext uri="{C183D7F6-B498-43B3-948B-1728B52AA6E4}">
+                <adec:decorative xmlns:adec="http://schemas.microsoft.com/office/drawing/2017/decorative" val="1"/>
+              </a:ext>
+            </a:extLst>
+          </p:cNvPr>
+          <p:cNvCxnSpPr>
+            <a:cxnSpLocks noGrp="1" noRot="1" noChangeAspect="1" noMove="1" noResize="1" noEditPoints="1" noAdjustHandles="1" noChangeArrowheads="1" noChangeShapeType="1"/>
+          </p:cNvCxnSpPr>
+          <p:nvPr>
+            <p:extLst>
+              <p:ext uri="{386F3935-93C4-4BCD-93E2-E3B085C9AB24}">
+                <p16:designElem xmlns:p16="http://schemas.microsoft.com/office/powerpoint/2015/main" val="1"/>
+              </p:ext>
+            </p:extLst>
+          </p:nvPr>
+        </p:nvCxnSpPr>
+        <p:spPr>
+          <a:xfrm>
+            <a:off x="0" y="6128413"/>
+            <a:ext cx="12192000" cy="0"/>
+          </a:xfrm>
+          <a:prstGeom prst="line">
+            <a:avLst/>
+          </a:prstGeom>
+          <a:ln w="12700">
+            <a:solidFill>
+              <a:srgbClr val="000001">
+                <a:alpha val="20000"/>
+              </a:srgbClr>
+            </a:solidFill>
+          </a:ln>
+        </p:spPr>
+        <p:style>
+          <a:lnRef idx="1">
+            <a:schemeClr val="accent1"/>
+          </a:lnRef>
+          <a:fillRef idx="0">
+            <a:schemeClr val="accent1"/>
+          </a:fillRef>
+          <a:effectRef idx="0">
+            <a:schemeClr val="accent1"/>
+          </a:effectRef>
+          <a:fontRef idx="minor">
+            <a:schemeClr val="tx1"/>
+          </a:fontRef>
+        </p:style>
+      </p:cxnSp>
+      <p:graphicFrame>
+        <p:nvGraphicFramePr>
+          <p:cNvPr id="16" name="Content Placeholder 2">
+            <a:extLst>
+              <a:ext uri="{FF2B5EF4-FFF2-40B4-BE49-F238E27FC236}">
+                <a16:creationId xmlns:a16="http://schemas.microsoft.com/office/drawing/2014/main" id="{9495809E-FEDE-DADE-C612-EFC9EB090B37}"/>
+              </a:ext>
+            </a:extLst>
+          </p:cNvPr>
+          <p:cNvGraphicFramePr>
+            <a:graphicFrameLocks noGrp="1"/>
+          </p:cNvGraphicFramePr>
+          <p:nvPr>
+            <p:ph idx="1"/>
+            <p:extLst>
+              <p:ext uri="{D42A27DB-BD31-4B8C-83A1-F6EECF244321}">
+                <p14:modId xmlns:p14="http://schemas.microsoft.com/office/powerpoint/2010/main" val="2371350444"/>
+              </p:ext>
+            </p:extLst>
+          </p:nvPr>
+        </p:nvGraphicFramePr>
+        <p:xfrm>
+          <a:off x="5141913" y="803275"/>
+          <a:ext cx="5913437" cy="4637088"/>
+        </p:xfrm>
+        <a:graphic>
+          <a:graphicData uri="http://schemas.openxmlformats.org/drawingml/2006/diagram">
+            <dgm:relIds xmlns:dgm="http://schemas.openxmlformats.org/drawingml/2006/diagram" xmlns:r="http://schemas.openxmlformats.org/officeDocument/2006/relationships" r:dm="rId3" r:lo="rId4" r:qs="rId5" r:cs="rId6"/>
+          </a:graphicData>
+        </a:graphic>
+      </p:graphicFrame>
     </p:spTree>
     <p:extLst>
       <p:ext uri="{BB962C8B-B14F-4D97-AF65-F5344CB8AC3E}">
@@ -4200,7 +6921,7 @@
     </p:extLst>
   </p:cSld>
   <p:clrMapOvr>
-    <a:overrideClrMapping bg1="dk1" tx1="lt1" bg2="dk2" tx2="lt2" accent1="accent1" accent2="accent2" accent3="accent3" accent4="accent4" accent5="accent5" accent6="accent6" hlink="hlink" folHlink="folHlink"/>
+    <a:masterClrMapping/>
   </p:clrMapOvr>
 </p:sld>
 </file>
@@ -5104,6 +7825,767 @@
 <file path=ppt/slides/slide4.xml><?xml version="1.0" encoding="utf-8"?>
 <p:sld xmlns:a="http://schemas.openxmlformats.org/drawingml/2006/main" xmlns:r="http://schemas.openxmlformats.org/officeDocument/2006/relationships" xmlns:p="http://schemas.openxmlformats.org/presentationml/2006/main">
   <p:cSld>
+    <p:bg>
+      <p:bgPr>
+        <a:solidFill>
+          <a:schemeClr val="bg1"/>
+        </a:solidFill>
+        <a:effectLst/>
+      </p:bgPr>
+    </p:bg>
+    <p:spTree>
+      <p:nvGrpSpPr>
+        <p:cNvPr id="1" name=""/>
+        <p:cNvGrpSpPr/>
+        <p:nvPr/>
+      </p:nvGrpSpPr>
+      <p:grpSpPr>
+        <a:xfrm>
+          <a:off x="0" y="0"/>
+          <a:ext cx="0" cy="0"/>
+          <a:chOff x="0" y="0"/>
+          <a:chExt cx="0" cy="0"/>
+        </a:xfrm>
+      </p:grpSpPr>
+      <p:sp useBgFill="1">
+        <p:nvSpPr>
+          <p:cNvPr id="12" name="Rectangle 11">
+            <a:extLst>
+              <a:ext uri="{FF2B5EF4-FFF2-40B4-BE49-F238E27FC236}">
+                <a16:creationId xmlns:a16="http://schemas.microsoft.com/office/drawing/2014/main" id="{C6870151-9189-4C3A-8379-EF3D95827A0A}"/>
+              </a:ext>
+              <a:ext uri="{C183D7F6-B498-43B3-948B-1728B52AA6E4}">
+                <adec:decorative xmlns:adec="http://schemas.microsoft.com/office/drawing/2017/decorative" val="1"/>
+              </a:ext>
+            </a:extLst>
+          </p:cNvPr>
+          <p:cNvSpPr>
+            <a:spLocks noGrp="1" noRot="1" noChangeAspect="1" noMove="1" noResize="1" noEditPoints="1" noAdjustHandles="1" noChangeArrowheads="1" noChangeShapeType="1" noTextEdit="1"/>
+          </p:cNvSpPr>
+          <p:nvPr>
+            <p:extLst>
+              <p:ext uri="{386F3935-93C4-4BCD-93E2-E3B085C9AB24}">
+                <p16:designElem xmlns:p16="http://schemas.microsoft.com/office/powerpoint/2015/main" val="1"/>
+              </p:ext>
+            </p:extLst>
+          </p:nvPr>
+        </p:nvSpPr>
+        <p:spPr>
+          <a:xfrm>
+            <a:off x="0" y="0"/>
+            <a:ext cx="12192000" cy="6858000"/>
+          </a:xfrm>
+          <a:prstGeom prst="rect">
+            <a:avLst/>
+          </a:prstGeom>
+          <a:ln>
+            <a:noFill/>
+          </a:ln>
+        </p:spPr>
+        <p:style>
+          <a:lnRef idx="2">
+            <a:schemeClr val="accent1">
+              <a:shade val="50000"/>
+            </a:schemeClr>
+          </a:lnRef>
+          <a:fillRef idx="1">
+            <a:schemeClr val="accent1"/>
+          </a:fillRef>
+          <a:effectRef idx="0">
+            <a:schemeClr val="accent1"/>
+          </a:effectRef>
+          <a:fontRef idx="minor">
+            <a:schemeClr val="lt1"/>
+          </a:fontRef>
+        </p:style>
+        <p:txBody>
+          <a:bodyPr rtlCol="0" anchor="ctr"/>
+          <a:lstStyle/>
+          <a:p>
+            <a:pPr algn="ctr"/>
+            <a:endParaRPr lang="en-US"/>
+          </a:p>
+        </p:txBody>
+      </p:sp>
+      <p:pic>
+        <p:nvPicPr>
+          <p:cNvPr id="7" name="Picture 6" descr="A picture containing clipart&#10;&#10;Description automatically generated">
+            <a:extLst>
+              <a:ext uri="{FF2B5EF4-FFF2-40B4-BE49-F238E27FC236}">
+                <a16:creationId xmlns:a16="http://schemas.microsoft.com/office/drawing/2014/main" id="{59C21E83-C216-4AD6-B053-7A97BC022A31}"/>
+              </a:ext>
+            </a:extLst>
+          </p:cNvPr>
+          <p:cNvPicPr>
+            <a:picLocks noChangeAspect="1"/>
+          </p:cNvPicPr>
+          <p:nvPr/>
+        </p:nvPicPr>
+        <p:blipFill rotWithShape="1">
+          <a:blip r:embed="rId2">
+            <a:alphaModFix amt="50000"/>
+            <a:extLst>
+              <a:ext uri="{28A0092B-C50C-407E-A947-70E740481C1C}">
+                <a14:useLocalDpi xmlns:a14="http://schemas.microsoft.com/office/drawing/2010/main" val="0"/>
+              </a:ext>
+            </a:extLst>
+          </a:blip>
+          <a:srcRect t="5381" r="-1" b="2023"/>
+          <a:stretch/>
+        </p:blipFill>
+        <p:spPr>
+          <a:xfrm>
+            <a:off x="305" y="10"/>
+            <a:ext cx="12191695" cy="6857990"/>
+          </a:xfrm>
+          <a:prstGeom prst="rect">
+            <a:avLst/>
+          </a:prstGeom>
+        </p:spPr>
+      </p:pic>
+      <p:sp>
+        <p:nvSpPr>
+          <p:cNvPr id="14" name="Slide Number Placeholder 7">
+            <a:extLst>
+              <a:ext uri="{FF2B5EF4-FFF2-40B4-BE49-F238E27FC236}">
+                <a16:creationId xmlns:a16="http://schemas.microsoft.com/office/drawing/2014/main" id="{123EA69C-102A-4DD0-9547-05DCD271D159}"/>
+              </a:ext>
+              <a:ext uri="{C183D7F6-B498-43B3-948B-1728B52AA6E4}">
+                <adec:decorative xmlns:adec="http://schemas.microsoft.com/office/drawing/2017/decorative" val="1"/>
+              </a:ext>
+            </a:extLst>
+          </p:cNvPr>
+          <p:cNvSpPr txBox="1">
+            <a:spLocks noGrp="1" noRot="1" noChangeAspect="1" noMove="1" noResize="1" noEditPoints="1" noAdjustHandles="1" noChangeArrowheads="1" noChangeShapeType="1" noTextEdit="1"/>
+          </p:cNvSpPr>
+          <p:nvPr>
+            <p:extLst>
+              <p:ext uri="{386F3935-93C4-4BCD-93E2-E3B085C9AB24}">
+                <p16:designElem xmlns:p16="http://schemas.microsoft.com/office/powerpoint/2015/main" val="1"/>
+              </p:ext>
+            </p:extLst>
+          </p:nvPr>
+        </p:nvSpPr>
+        <p:spPr>
+          <a:xfrm>
+            <a:off x="3512301" y="443732"/>
+            <a:ext cx="811019" cy="503578"/>
+          </a:xfrm>
+          <a:prstGeom prst="rect">
+            <a:avLst/>
+          </a:prstGeom>
+        </p:spPr>
+        <p:txBody>
+          <a:bodyPr vert="horz" lIns="91440" tIns="45720" rIns="91440" bIns="45720" rtlCol="0" anchor="t"/>
+          <a:lstStyle>
+            <a:defPPr>
+              <a:defRPr lang="en-US"/>
+            </a:defPPr>
+            <a:lvl1pPr marL="0" algn="r" defTabSz="457200" rtl="0" eaLnBrk="1" latinLnBrk="0" hangingPunct="1">
+              <a:defRPr sz="2800" kern="1200">
+                <a:solidFill>
+                  <a:schemeClr val="accent1"/>
+                </a:solidFill>
+                <a:latin typeface="+mn-lt"/>
+                <a:ea typeface="+mn-ea"/>
+                <a:cs typeface="+mn-cs"/>
+              </a:defRPr>
+            </a:lvl1pPr>
+            <a:lvl2pPr marL="457200" algn="l" defTabSz="457200" rtl="0" eaLnBrk="1" latinLnBrk="0" hangingPunct="1">
+              <a:defRPr sz="1800" kern="1200">
+                <a:solidFill>
+                  <a:schemeClr val="tx1"/>
+                </a:solidFill>
+                <a:latin typeface="+mn-lt"/>
+                <a:ea typeface="+mn-ea"/>
+                <a:cs typeface="+mn-cs"/>
+              </a:defRPr>
+            </a:lvl2pPr>
+            <a:lvl3pPr marL="914400" algn="l" defTabSz="457200" rtl="0" eaLnBrk="1" latinLnBrk="0" hangingPunct="1">
+              <a:defRPr sz="1800" kern="1200">
+                <a:solidFill>
+                  <a:schemeClr val="tx1"/>
+                </a:solidFill>
+                <a:latin typeface="+mn-lt"/>
+                <a:ea typeface="+mn-ea"/>
+                <a:cs typeface="+mn-cs"/>
+              </a:defRPr>
+            </a:lvl3pPr>
+            <a:lvl4pPr marL="1371600" algn="l" defTabSz="457200" rtl="0" eaLnBrk="1" latinLnBrk="0" hangingPunct="1">
+              <a:defRPr sz="1800" kern="1200">
+                <a:solidFill>
+                  <a:schemeClr val="tx1"/>
+                </a:solidFill>
+                <a:latin typeface="+mn-lt"/>
+                <a:ea typeface="+mn-ea"/>
+                <a:cs typeface="+mn-cs"/>
+              </a:defRPr>
+            </a:lvl4pPr>
+            <a:lvl5pPr marL="1828800" algn="l" defTabSz="457200" rtl="0" eaLnBrk="1" latinLnBrk="0" hangingPunct="1">
+              <a:defRPr sz="1800" kern="1200">
+                <a:solidFill>
+                  <a:schemeClr val="tx1"/>
+                </a:solidFill>
+                <a:latin typeface="+mn-lt"/>
+                <a:ea typeface="+mn-ea"/>
+                <a:cs typeface="+mn-cs"/>
+              </a:defRPr>
+            </a:lvl5pPr>
+            <a:lvl6pPr marL="2286000" algn="l" defTabSz="457200" rtl="0" eaLnBrk="1" latinLnBrk="0" hangingPunct="1">
+              <a:defRPr sz="1800" kern="1200">
+                <a:solidFill>
+                  <a:schemeClr val="tx1"/>
+                </a:solidFill>
+                <a:latin typeface="+mn-lt"/>
+                <a:ea typeface="+mn-ea"/>
+                <a:cs typeface="+mn-cs"/>
+              </a:defRPr>
+            </a:lvl6pPr>
+            <a:lvl7pPr marL="2743200" algn="l" defTabSz="457200" rtl="0" eaLnBrk="1" latinLnBrk="0" hangingPunct="1">
+              <a:defRPr sz="1800" kern="1200">
+                <a:solidFill>
+                  <a:schemeClr val="tx1"/>
+                </a:solidFill>
+                <a:latin typeface="+mn-lt"/>
+                <a:ea typeface="+mn-ea"/>
+                <a:cs typeface="+mn-cs"/>
+              </a:defRPr>
+            </a:lvl7pPr>
+            <a:lvl8pPr marL="3200400" algn="l" defTabSz="457200" rtl="0" eaLnBrk="1" latinLnBrk="0" hangingPunct="1">
+              <a:defRPr sz="1800" kern="1200">
+                <a:solidFill>
+                  <a:schemeClr val="tx1"/>
+                </a:solidFill>
+                <a:latin typeface="+mn-lt"/>
+                <a:ea typeface="+mn-ea"/>
+                <a:cs typeface="+mn-cs"/>
+              </a:defRPr>
+            </a:lvl8pPr>
+            <a:lvl9pPr marL="3657600" algn="l" defTabSz="457200" rtl="0" eaLnBrk="1" latinLnBrk="0" hangingPunct="1">
+              <a:defRPr sz="1800" kern="1200">
+                <a:solidFill>
+                  <a:schemeClr val="tx1"/>
+                </a:solidFill>
+                <a:latin typeface="+mn-lt"/>
+                <a:ea typeface="+mn-ea"/>
+                <a:cs typeface="+mn-cs"/>
+              </a:defRPr>
+            </a:lvl9pPr>
+          </a:lstStyle>
+          <a:p>
+            <a:endParaRPr lang="en-US" dirty="0"/>
+          </a:p>
+        </p:txBody>
+      </p:sp>
+      <p:sp>
+        <p:nvSpPr>
+          <p:cNvPr id="16" name="Footer Placeholder 6">
+            <a:extLst>
+              <a:ext uri="{FF2B5EF4-FFF2-40B4-BE49-F238E27FC236}">
+                <a16:creationId xmlns:a16="http://schemas.microsoft.com/office/drawing/2014/main" id="{6A862265-5CA3-4C40-8582-7534C3B03C2A}"/>
+              </a:ext>
+              <a:ext uri="{C183D7F6-B498-43B3-948B-1728B52AA6E4}">
+                <adec:decorative xmlns:adec="http://schemas.microsoft.com/office/drawing/2017/decorative" val="1"/>
+              </a:ext>
+            </a:extLst>
+          </p:cNvPr>
+          <p:cNvSpPr txBox="1">
+            <a:spLocks noGrp="1" noRot="1" noChangeAspect="1" noMove="1" noResize="1" noEditPoints="1" noAdjustHandles="1" noChangeArrowheads="1" noChangeShapeType="1" noTextEdit="1"/>
+          </p:cNvSpPr>
+          <p:nvPr>
+            <p:extLst>
+              <p:ext uri="{386F3935-93C4-4BCD-93E2-E3B085C9AB24}">
+                <p16:designElem xmlns:p16="http://schemas.microsoft.com/office/powerpoint/2015/main" val="1"/>
+              </p:ext>
+            </p:extLst>
+          </p:nvPr>
+        </p:nvSpPr>
+        <p:spPr>
+          <a:xfrm>
+            <a:off x="4976636" y="540921"/>
+            <a:ext cx="4973915" cy="309201"/>
+          </a:xfrm>
+          <a:prstGeom prst="rect">
+            <a:avLst/>
+          </a:prstGeom>
+        </p:spPr>
+        <p:txBody>
+          <a:bodyPr vert="horz" lIns="91440" tIns="45720" rIns="91440" bIns="45720" rtlCol="0" anchor="ctr"/>
+          <a:lstStyle>
+            <a:defPPr>
+              <a:defRPr lang="en-US"/>
+            </a:defPPr>
+            <a:lvl1pPr marL="0" algn="l" defTabSz="457200" rtl="0" eaLnBrk="1" latinLnBrk="0" hangingPunct="1">
+              <a:defRPr sz="1200" kern="1200">
+                <a:solidFill>
+                  <a:schemeClr val="tx1">
+                    <a:tint val="75000"/>
+                  </a:schemeClr>
+                </a:solidFill>
+                <a:latin typeface="+mn-lt"/>
+                <a:ea typeface="+mn-ea"/>
+                <a:cs typeface="+mn-cs"/>
+              </a:defRPr>
+            </a:lvl1pPr>
+            <a:lvl2pPr marL="457200" algn="l" defTabSz="457200" rtl="0" eaLnBrk="1" latinLnBrk="0" hangingPunct="1">
+              <a:defRPr sz="1800" kern="1200">
+                <a:solidFill>
+                  <a:schemeClr val="tx1"/>
+                </a:solidFill>
+                <a:latin typeface="+mn-lt"/>
+                <a:ea typeface="+mn-ea"/>
+                <a:cs typeface="+mn-cs"/>
+              </a:defRPr>
+            </a:lvl2pPr>
+            <a:lvl3pPr marL="914400" algn="l" defTabSz="457200" rtl="0" eaLnBrk="1" latinLnBrk="0" hangingPunct="1">
+              <a:defRPr sz="1800" kern="1200">
+                <a:solidFill>
+                  <a:schemeClr val="tx1"/>
+                </a:solidFill>
+                <a:latin typeface="+mn-lt"/>
+                <a:ea typeface="+mn-ea"/>
+                <a:cs typeface="+mn-cs"/>
+              </a:defRPr>
+            </a:lvl3pPr>
+            <a:lvl4pPr marL="1371600" algn="l" defTabSz="457200" rtl="0" eaLnBrk="1" latinLnBrk="0" hangingPunct="1">
+              <a:defRPr sz="1800" kern="1200">
+                <a:solidFill>
+                  <a:schemeClr val="tx1"/>
+                </a:solidFill>
+                <a:latin typeface="+mn-lt"/>
+                <a:ea typeface="+mn-ea"/>
+                <a:cs typeface="+mn-cs"/>
+              </a:defRPr>
+            </a:lvl4pPr>
+            <a:lvl5pPr marL="1828800" algn="l" defTabSz="457200" rtl="0" eaLnBrk="1" latinLnBrk="0" hangingPunct="1">
+              <a:defRPr sz="1800" kern="1200">
+                <a:solidFill>
+                  <a:schemeClr val="tx1"/>
+                </a:solidFill>
+                <a:latin typeface="+mn-lt"/>
+                <a:ea typeface="+mn-ea"/>
+                <a:cs typeface="+mn-cs"/>
+              </a:defRPr>
+            </a:lvl5pPr>
+            <a:lvl6pPr marL="2286000" algn="l" defTabSz="457200" rtl="0" eaLnBrk="1" latinLnBrk="0" hangingPunct="1">
+              <a:defRPr sz="1800" kern="1200">
+                <a:solidFill>
+                  <a:schemeClr val="tx1"/>
+                </a:solidFill>
+                <a:latin typeface="+mn-lt"/>
+                <a:ea typeface="+mn-ea"/>
+                <a:cs typeface="+mn-cs"/>
+              </a:defRPr>
+            </a:lvl6pPr>
+            <a:lvl7pPr marL="2743200" algn="l" defTabSz="457200" rtl="0" eaLnBrk="1" latinLnBrk="0" hangingPunct="1">
+              <a:defRPr sz="1800" kern="1200">
+                <a:solidFill>
+                  <a:schemeClr val="tx1"/>
+                </a:solidFill>
+                <a:latin typeface="+mn-lt"/>
+                <a:ea typeface="+mn-ea"/>
+                <a:cs typeface="+mn-cs"/>
+              </a:defRPr>
+            </a:lvl7pPr>
+            <a:lvl8pPr marL="3200400" algn="l" defTabSz="457200" rtl="0" eaLnBrk="1" latinLnBrk="0" hangingPunct="1">
+              <a:defRPr sz="1800" kern="1200">
+                <a:solidFill>
+                  <a:schemeClr val="tx1"/>
+                </a:solidFill>
+                <a:latin typeface="+mn-lt"/>
+                <a:ea typeface="+mn-ea"/>
+                <a:cs typeface="+mn-cs"/>
+              </a:defRPr>
+            </a:lvl8pPr>
+            <a:lvl9pPr marL="3657600" algn="l" defTabSz="457200" rtl="0" eaLnBrk="1" latinLnBrk="0" hangingPunct="1">
+              <a:defRPr sz="1800" kern="1200">
+                <a:solidFill>
+                  <a:schemeClr val="tx1"/>
+                </a:solidFill>
+                <a:latin typeface="+mn-lt"/>
+                <a:ea typeface="+mn-ea"/>
+                <a:cs typeface="+mn-cs"/>
+              </a:defRPr>
+            </a:lvl9pPr>
+          </a:lstStyle>
+          <a:p>
+            <a:endParaRPr lang="en-US" dirty="0">
+              <a:solidFill>
+                <a:schemeClr val="tx1"/>
+              </a:solidFill>
+            </a:endParaRPr>
+          </a:p>
+        </p:txBody>
+      </p:sp>
+      <p:sp>
+        <p:nvSpPr>
+          <p:cNvPr id="18" name="Rectangle 17">
+            <a:extLst>
+              <a:ext uri="{FF2B5EF4-FFF2-40B4-BE49-F238E27FC236}">
+                <a16:creationId xmlns:a16="http://schemas.microsoft.com/office/drawing/2014/main" id="{600EF80B-0391-4082-9AF5-F15B091B4CE9}"/>
+              </a:ext>
+              <a:ext uri="{C183D7F6-B498-43B3-948B-1728B52AA6E4}">
+                <adec:decorative xmlns:adec="http://schemas.microsoft.com/office/drawing/2017/decorative" val="1"/>
+              </a:ext>
+            </a:extLst>
+          </p:cNvPr>
+          <p:cNvSpPr>
+            <a:spLocks noGrp="1" noRot="1" noChangeAspect="1" noMove="1" noResize="1" noEditPoints="1" noAdjustHandles="1" noChangeArrowheads="1" noChangeShapeType="1" noTextEdit="1"/>
+          </p:cNvSpPr>
+          <p:nvPr>
+            <p:extLst>
+              <p:ext uri="{386F3935-93C4-4BCD-93E2-E3B085C9AB24}">
+                <p16:designElem xmlns:p16="http://schemas.microsoft.com/office/powerpoint/2015/main" val="1"/>
+              </p:ext>
+            </p:extLst>
+          </p:nvPr>
+        </p:nvSpPr>
+        <p:spPr>
+          <a:xfrm>
+            <a:off x="0" y="1193800"/>
+            <a:ext cx="12192000" cy="5664199"/>
+          </a:xfrm>
+          <a:prstGeom prst="rect">
+            <a:avLst/>
+          </a:prstGeom>
+          <a:gradFill flip="none" rotWithShape="1">
+            <a:gsLst>
+              <a:gs pos="0">
+                <a:schemeClr val="bg2">
+                  <a:lumMod val="87000"/>
+                  <a:alpha val="4000"/>
+                </a:schemeClr>
+              </a:gs>
+              <a:gs pos="100000">
+                <a:schemeClr val="bg2">
+                  <a:lumMod val="95000"/>
+                  <a:lumOff val="5000"/>
+                </a:schemeClr>
+              </a:gs>
+            </a:gsLst>
+            <a:lin ang="5400000" scaled="0"/>
+            <a:tileRect/>
+          </a:gradFill>
+          <a:ln>
+            <a:noFill/>
+          </a:ln>
+        </p:spPr>
+        <p:style>
+          <a:lnRef idx="2">
+            <a:schemeClr val="accent1">
+              <a:shade val="50000"/>
+            </a:schemeClr>
+          </a:lnRef>
+          <a:fillRef idx="1">
+            <a:schemeClr val="accent1"/>
+          </a:fillRef>
+          <a:effectRef idx="0">
+            <a:schemeClr val="accent1"/>
+          </a:effectRef>
+          <a:fontRef idx="minor">
+            <a:schemeClr val="lt1"/>
+          </a:fontRef>
+        </p:style>
+        <p:txBody>
+          <a:bodyPr/>
+          <a:lstStyle/>
+          <a:p>
+            <a:endParaRPr lang="en-US" dirty="0"/>
+          </a:p>
+        </p:txBody>
+      </p:sp>
+      <p:sp>
+        <p:nvSpPr>
+          <p:cNvPr id="2" name="Title 1">
+            <a:extLst>
+              <a:ext uri="{FF2B5EF4-FFF2-40B4-BE49-F238E27FC236}">
+                <a16:creationId xmlns:a16="http://schemas.microsoft.com/office/drawing/2014/main" id="{F1FFE657-E43D-4BB7-8E5B-D73153C4CB5E}"/>
+              </a:ext>
+            </a:extLst>
+          </p:cNvPr>
+          <p:cNvSpPr>
+            <a:spLocks noGrp="1"/>
+          </p:cNvSpPr>
+          <p:nvPr>
+            <p:ph type="title"/>
+          </p:nvPr>
+        </p:nvSpPr>
+        <p:spPr>
+          <a:xfrm>
+            <a:off x="1130271" y="1193800"/>
+            <a:ext cx="3193050" cy="4699000"/>
+          </a:xfrm>
+        </p:spPr>
+        <p:txBody>
+          <a:bodyPr anchor="ctr">
+            <a:normAutofit/>
+          </a:bodyPr>
+          <a:lstStyle/>
+          <a:p>
+            <a:r>
+              <a:rPr lang="en-US" dirty="0"/>
+              <a:t>tools</a:t>
+            </a:r>
+          </a:p>
+        </p:txBody>
+      </p:sp>
+      <p:cxnSp>
+        <p:nvCxnSpPr>
+          <p:cNvPr id="20" name="Straight Connector 19">
+            <a:extLst>
+              <a:ext uri="{FF2B5EF4-FFF2-40B4-BE49-F238E27FC236}">
+                <a16:creationId xmlns:a16="http://schemas.microsoft.com/office/drawing/2014/main" id="{D33AC32D-5F44-45F7-A0BD-7C11A86BED57}"/>
+              </a:ext>
+              <a:ext uri="{C183D7F6-B498-43B3-948B-1728B52AA6E4}">
+                <adec:decorative xmlns:adec="http://schemas.microsoft.com/office/drawing/2017/decorative" val="1"/>
+              </a:ext>
+            </a:extLst>
+          </p:cNvPr>
+          <p:cNvCxnSpPr>
+            <a:cxnSpLocks noGrp="1" noRot="1" noChangeAspect="1" noMove="1" noResize="1" noEditPoints="1" noAdjustHandles="1" noChangeArrowheads="1" noChangeShapeType="1"/>
+          </p:cNvCxnSpPr>
+          <p:nvPr>
+            <p:extLst>
+              <p:ext uri="{386F3935-93C4-4BCD-93E2-E3B085C9AB24}">
+                <p16:designElem xmlns:p16="http://schemas.microsoft.com/office/powerpoint/2015/main" val="1"/>
+              </p:ext>
+            </p:extLst>
+          </p:nvPr>
+        </p:nvCxnSpPr>
+        <p:spPr>
+          <a:xfrm>
+            <a:off x="4654296" y="1600200"/>
+            <a:ext cx="0" cy="3657600"/>
+          </a:xfrm>
+          <a:prstGeom prst="line">
+            <a:avLst/>
+          </a:prstGeom>
+          <a:ln w="31750">
+            <a:solidFill>
+              <a:schemeClr val="tx1">
+                <a:alpha val="80000"/>
+              </a:schemeClr>
+            </a:solidFill>
+          </a:ln>
+        </p:spPr>
+        <p:style>
+          <a:lnRef idx="1">
+            <a:schemeClr val="accent1"/>
+          </a:lnRef>
+          <a:fillRef idx="0">
+            <a:schemeClr val="accent1"/>
+          </a:fillRef>
+          <a:effectRef idx="0">
+            <a:schemeClr val="accent1"/>
+          </a:effectRef>
+          <a:fontRef idx="minor">
+            <a:schemeClr val="tx1"/>
+          </a:fontRef>
+        </p:style>
+      </p:cxnSp>
+      <p:sp>
+        <p:nvSpPr>
+          <p:cNvPr id="3" name="Content Placeholder 2">
+            <a:extLst>
+              <a:ext uri="{FF2B5EF4-FFF2-40B4-BE49-F238E27FC236}">
+                <a16:creationId xmlns:a16="http://schemas.microsoft.com/office/drawing/2014/main" id="{E3DE3DEB-73F5-415C-8164-6E53180A811C}"/>
+              </a:ext>
+            </a:extLst>
+          </p:cNvPr>
+          <p:cNvSpPr>
+            <a:spLocks noGrp="1"/>
+          </p:cNvSpPr>
+          <p:nvPr>
+            <p:ph idx="1"/>
+          </p:nvPr>
+        </p:nvSpPr>
+        <p:spPr>
+          <a:xfrm>
+            <a:off x="4976636" y="1193800"/>
+            <a:ext cx="6085091" cy="4699000"/>
+          </a:xfrm>
+        </p:spPr>
+        <p:txBody>
+          <a:bodyPr anchor="ctr">
+            <a:normAutofit/>
+          </a:bodyPr>
+          <a:lstStyle/>
+          <a:p>
+            <a:r>
+              <a:rPr lang="en-US" sz="4000" dirty="0"/>
+              <a:t>Python 3</a:t>
+            </a:r>
+          </a:p>
+          <a:p>
+            <a:r>
+              <a:rPr lang="en-US" sz="4000" dirty="0"/>
+              <a:t>beautifulsoup4</a:t>
+            </a:r>
+          </a:p>
+          <a:p>
+            <a:r>
+              <a:rPr lang="en-US" sz="4000" dirty="0"/>
+              <a:t>requests</a:t>
+            </a:r>
+          </a:p>
+        </p:txBody>
+      </p:sp>
+      <p:sp>
+        <p:nvSpPr>
+          <p:cNvPr id="22" name="Date Placeholder 1">
+            <a:extLst>
+              <a:ext uri="{FF2B5EF4-FFF2-40B4-BE49-F238E27FC236}">
+                <a16:creationId xmlns:a16="http://schemas.microsoft.com/office/drawing/2014/main" id="{3FBF03E8-C602-4192-9C52-F84B29FDCC88}"/>
+              </a:ext>
+              <a:ext uri="{C183D7F6-B498-43B3-948B-1728B52AA6E4}">
+                <adec:decorative xmlns:adec="http://schemas.microsoft.com/office/drawing/2017/decorative" val="1"/>
+              </a:ext>
+            </a:extLst>
+          </p:cNvPr>
+          <p:cNvSpPr txBox="1">
+            <a:spLocks noGrp="1" noRot="1" noChangeAspect="1" noMove="1" noResize="1" noEditPoints="1" noAdjustHandles="1" noChangeArrowheads="1" noChangeShapeType="1" noTextEdit="1"/>
+          </p:cNvSpPr>
+          <p:nvPr>
+            <p:extLst>
+              <p:ext uri="{386F3935-93C4-4BCD-93E2-E3B085C9AB24}">
+                <p16:designElem xmlns:p16="http://schemas.microsoft.com/office/powerpoint/2015/main" val="1"/>
+              </p:ext>
+            </p:extLst>
+          </p:nvPr>
+        </p:nvSpPr>
+        <p:spPr>
+          <a:xfrm>
+            <a:off x="7723229" y="6007878"/>
+            <a:ext cx="3500715" cy="309201"/>
+          </a:xfrm>
+          <a:prstGeom prst="rect">
+            <a:avLst/>
+          </a:prstGeom>
+        </p:spPr>
+        <p:txBody>
+          <a:bodyPr vert="horz" lIns="91440" tIns="45720" rIns="91440" bIns="45720" rtlCol="0" anchor="ctr"/>
+          <a:lstStyle>
+            <a:defPPr>
+              <a:defRPr lang="en-US"/>
+            </a:defPPr>
+            <a:lvl1pPr marL="0" algn="r" defTabSz="457200" rtl="0" eaLnBrk="1" latinLnBrk="0" hangingPunct="1">
+              <a:defRPr sz="1200" kern="1200">
+                <a:solidFill>
+                  <a:schemeClr val="tx1">
+                    <a:tint val="75000"/>
+                  </a:schemeClr>
+                </a:solidFill>
+                <a:latin typeface="+mn-lt"/>
+                <a:ea typeface="+mn-ea"/>
+                <a:cs typeface="+mn-cs"/>
+              </a:defRPr>
+            </a:lvl1pPr>
+            <a:lvl2pPr marL="457200" algn="l" defTabSz="457200" rtl="0" eaLnBrk="1" latinLnBrk="0" hangingPunct="1">
+              <a:defRPr sz="1800" kern="1200">
+                <a:solidFill>
+                  <a:schemeClr val="tx1"/>
+                </a:solidFill>
+                <a:latin typeface="+mn-lt"/>
+                <a:ea typeface="+mn-ea"/>
+                <a:cs typeface="+mn-cs"/>
+              </a:defRPr>
+            </a:lvl2pPr>
+            <a:lvl3pPr marL="914400" algn="l" defTabSz="457200" rtl="0" eaLnBrk="1" latinLnBrk="0" hangingPunct="1">
+              <a:defRPr sz="1800" kern="1200">
+                <a:solidFill>
+                  <a:schemeClr val="tx1"/>
+                </a:solidFill>
+                <a:latin typeface="+mn-lt"/>
+                <a:ea typeface="+mn-ea"/>
+                <a:cs typeface="+mn-cs"/>
+              </a:defRPr>
+            </a:lvl3pPr>
+            <a:lvl4pPr marL="1371600" algn="l" defTabSz="457200" rtl="0" eaLnBrk="1" latinLnBrk="0" hangingPunct="1">
+              <a:defRPr sz="1800" kern="1200">
+                <a:solidFill>
+                  <a:schemeClr val="tx1"/>
+                </a:solidFill>
+                <a:latin typeface="+mn-lt"/>
+                <a:ea typeface="+mn-ea"/>
+                <a:cs typeface="+mn-cs"/>
+              </a:defRPr>
+            </a:lvl4pPr>
+            <a:lvl5pPr marL="1828800" algn="l" defTabSz="457200" rtl="0" eaLnBrk="1" latinLnBrk="0" hangingPunct="1">
+              <a:defRPr sz="1800" kern="1200">
+                <a:solidFill>
+                  <a:schemeClr val="tx1"/>
+                </a:solidFill>
+                <a:latin typeface="+mn-lt"/>
+                <a:ea typeface="+mn-ea"/>
+                <a:cs typeface="+mn-cs"/>
+              </a:defRPr>
+            </a:lvl5pPr>
+            <a:lvl6pPr marL="2286000" algn="l" defTabSz="457200" rtl="0" eaLnBrk="1" latinLnBrk="0" hangingPunct="1">
+              <a:defRPr sz="1800" kern="1200">
+                <a:solidFill>
+                  <a:schemeClr val="tx1"/>
+                </a:solidFill>
+                <a:latin typeface="+mn-lt"/>
+                <a:ea typeface="+mn-ea"/>
+                <a:cs typeface="+mn-cs"/>
+              </a:defRPr>
+            </a:lvl6pPr>
+            <a:lvl7pPr marL="2743200" algn="l" defTabSz="457200" rtl="0" eaLnBrk="1" latinLnBrk="0" hangingPunct="1">
+              <a:defRPr sz="1800" kern="1200">
+                <a:solidFill>
+                  <a:schemeClr val="tx1"/>
+                </a:solidFill>
+                <a:latin typeface="+mn-lt"/>
+                <a:ea typeface="+mn-ea"/>
+                <a:cs typeface="+mn-cs"/>
+              </a:defRPr>
+            </a:lvl7pPr>
+            <a:lvl8pPr marL="3200400" algn="l" defTabSz="457200" rtl="0" eaLnBrk="1" latinLnBrk="0" hangingPunct="1">
+              <a:defRPr sz="1800" kern="1200">
+                <a:solidFill>
+                  <a:schemeClr val="tx1"/>
+                </a:solidFill>
+                <a:latin typeface="+mn-lt"/>
+                <a:ea typeface="+mn-ea"/>
+                <a:cs typeface="+mn-cs"/>
+              </a:defRPr>
+            </a:lvl8pPr>
+            <a:lvl9pPr marL="3657600" algn="l" defTabSz="457200" rtl="0" eaLnBrk="1" latinLnBrk="0" hangingPunct="1">
+              <a:defRPr sz="1800" kern="1200">
+                <a:solidFill>
+                  <a:schemeClr val="tx1"/>
+                </a:solidFill>
+                <a:latin typeface="+mn-lt"/>
+                <a:ea typeface="+mn-ea"/>
+                <a:cs typeface="+mn-cs"/>
+              </a:defRPr>
+            </a:lvl9pPr>
+          </a:lstStyle>
+          <a:p>
+            <a:endParaRPr lang="en-US" dirty="0">
+              <a:solidFill>
+                <a:schemeClr val="tx1"/>
+              </a:solidFill>
+            </a:endParaRPr>
+          </a:p>
+        </p:txBody>
+      </p:sp>
+    </p:spTree>
+    <p:extLst>
+      <p:ext uri="{BB962C8B-B14F-4D97-AF65-F5344CB8AC3E}">
+        <p14:creationId xmlns:p14="http://schemas.microsoft.com/office/powerpoint/2010/main" val="606315925"/>
+      </p:ext>
+    </p:extLst>
+  </p:cSld>
+  <p:clrMapOvr>
+    <a:overrideClrMapping bg1="dk1" tx1="lt1" bg2="dk2" tx2="lt2" accent1="accent1" accent2="accent2" accent3="accent3" accent4="accent4" accent5="accent5" accent6="accent6" hlink="hlink" folHlink="folHlink"/>
+  </p:clrMapOvr>
+</p:sld>
+</file>
+
+<file path=ppt/slides/slide5.xml><?xml version="1.0" encoding="utf-8"?>
+<p:sld xmlns:a="http://schemas.openxmlformats.org/drawingml/2006/main" xmlns:r="http://schemas.openxmlformats.org/officeDocument/2006/relationships" xmlns:p="http://schemas.openxmlformats.org/presentationml/2006/main">
+  <p:cSld>
     <p:spTree>
       <p:nvGrpSpPr>
         <p:cNvPr id="1" name=""/>
@@ -5123,7 +8605,7 @@
           <p:cNvPr id="2" name="Title 1">
             <a:extLst>
               <a:ext uri="{FF2B5EF4-FFF2-40B4-BE49-F238E27FC236}">
-                <a16:creationId xmlns:a16="http://schemas.microsoft.com/office/drawing/2014/main" id="{F1FFE657-E43D-4BB7-8E5B-D73153C4CB5E}"/>
+                <a16:creationId xmlns:a16="http://schemas.microsoft.com/office/drawing/2014/main" id="{70F36887-203B-4B09-95FC-ACA646A7619E}"/>
               </a:ext>
             </a:extLst>
           </p:cNvPr>
@@ -5139,7 +8621,10 @@
           <a:bodyPr/>
           <a:lstStyle/>
           <a:p>
-            <a:endParaRPr lang="en-US"/>
+            <a:r>
+              <a:rPr lang="en-US" dirty="0"/>
+              <a:t>Main concepts</a:t>
+            </a:r>
           </a:p>
         </p:txBody>
       </p:sp>
@@ -5148,7 +8633,7 @@
           <p:cNvPr id="3" name="Content Placeholder 2">
             <a:extLst>
               <a:ext uri="{FF2B5EF4-FFF2-40B4-BE49-F238E27FC236}">
-                <a16:creationId xmlns:a16="http://schemas.microsoft.com/office/drawing/2014/main" id="{E3DE3DEB-73F5-415C-8164-6E53180A811C}"/>
+                <a16:creationId xmlns:a16="http://schemas.microsoft.com/office/drawing/2014/main" id="{7DAFF080-C600-4095-85AA-8C1504BF7653}"/>
               </a:ext>
             </a:extLst>
           </p:cNvPr>
@@ -5159,19 +8644,78 @@
             <p:ph idx="1"/>
           </p:nvPr>
         </p:nvSpPr>
-        <p:spPr/>
+        <p:spPr>
+          <a:xfrm>
+            <a:off x="1384301" y="2015732"/>
+            <a:ext cx="9670554" cy="4037749"/>
+          </a:xfrm>
+        </p:spPr>
         <p:txBody>
           <a:bodyPr/>
           <a:lstStyle/>
           <a:p>
-            <a:endParaRPr lang="en-US"/>
+            <a:r>
+              <a:rPr lang="en-US" dirty="0"/>
+              <a:t>Find data on a webpage.</a:t>
+            </a:r>
+          </a:p>
+          <a:p>
+            <a:r>
+              <a:rPr lang="en-US" dirty="0"/>
+              <a:t>Find the way to get it:</a:t>
+            </a:r>
+          </a:p>
+          <a:p>
+            <a:pPr lvl="1"/>
+            <a:r>
+              <a:rPr lang="en-US" dirty="0"/>
+              <a:t>Class name</a:t>
+            </a:r>
+          </a:p>
+          <a:p>
+            <a:pPr lvl="1"/>
+            <a:r>
+              <a:rPr lang="en-US" dirty="0"/>
+              <a:t>Id</a:t>
+            </a:r>
+          </a:p>
+          <a:p>
+            <a:pPr lvl="1"/>
+            <a:r>
+              <a:rPr lang="en-US" dirty="0"/>
+              <a:t>Other attributes</a:t>
+            </a:r>
+          </a:p>
+          <a:p>
+            <a:pPr lvl="1"/>
+            <a:r>
+              <a:rPr lang="en-US" dirty="0" err="1"/>
+              <a:t>Css</a:t>
+            </a:r>
+            <a:r>
+              <a:rPr lang="en-US" dirty="0"/>
+              <a:t> selector</a:t>
+            </a:r>
+          </a:p>
+          <a:p>
+            <a:pPr lvl="1"/>
+            <a:r>
+              <a:rPr lang="en-US" dirty="0"/>
+              <a:t>XPATH (the worst way!)</a:t>
+            </a:r>
+          </a:p>
+          <a:p>
+            <a:r>
+              <a:rPr lang="en-US" dirty="0"/>
+              <a:t>Organize and Store data.</a:t>
+            </a:r>
           </a:p>
         </p:txBody>
       </p:sp>
     </p:spTree>
     <p:extLst>
       <p:ext uri="{BB962C8B-B14F-4D97-AF65-F5344CB8AC3E}">
-        <p14:creationId xmlns:p14="http://schemas.microsoft.com/office/powerpoint/2010/main" val="606315925"/>
+        <p14:creationId xmlns:p14="http://schemas.microsoft.com/office/powerpoint/2010/main" val="598414733"/>
       </p:ext>
     </p:extLst>
   </p:cSld>
